--- a/FAPbI3合成汇总.pptx
+++ b/FAPbI3合成汇总.pptx
@@ -247,7 +247,7 @@
           <a:p>
             <a:fld id="{27347B32-6A7D-4B63-8B88-3F04635095CD}" type="datetimeFigureOut">
               <a:rPr lang="zh-CN" altLang="en-US" smtClean="0"/>
-              <a:t>2024/9/26</a:t>
+              <a:t>2024/9/27</a:t>
             </a:fld>
             <a:endParaRPr lang="zh-CN" altLang="en-US"/>
           </a:p>
@@ -410,7 +410,7 @@
           <a:p>
             <a:fld id="{27347B32-6A7D-4B63-8B88-3F04635095CD}" type="datetimeFigureOut">
               <a:rPr lang="zh-CN" altLang="en-US" smtClean="0"/>
-              <a:t>2024/9/26</a:t>
+              <a:t>2024/9/27</a:t>
             </a:fld>
             <a:endParaRPr lang="zh-CN" altLang="en-US"/>
           </a:p>
@@ -583,7 +583,7 @@
           <a:p>
             <a:fld id="{27347B32-6A7D-4B63-8B88-3F04635095CD}" type="datetimeFigureOut">
               <a:rPr lang="zh-CN" altLang="en-US" smtClean="0"/>
-              <a:t>2024/9/26</a:t>
+              <a:t>2024/9/27</a:t>
             </a:fld>
             <a:endParaRPr lang="zh-CN" altLang="en-US"/>
           </a:p>
@@ -746,7 +746,7 @@
           <a:p>
             <a:fld id="{27347B32-6A7D-4B63-8B88-3F04635095CD}" type="datetimeFigureOut">
               <a:rPr lang="zh-CN" altLang="en-US" smtClean="0"/>
-              <a:t>2024/9/26</a:t>
+              <a:t>2024/9/27</a:t>
             </a:fld>
             <a:endParaRPr lang="zh-CN" altLang="en-US"/>
           </a:p>
@@ -986,7 +986,7 @@
           <a:p>
             <a:fld id="{27347B32-6A7D-4B63-8B88-3F04635095CD}" type="datetimeFigureOut">
               <a:rPr lang="zh-CN" altLang="en-US" smtClean="0"/>
-              <a:t>2024/9/26</a:t>
+              <a:t>2024/9/27</a:t>
             </a:fld>
             <a:endParaRPr lang="zh-CN" altLang="en-US"/>
           </a:p>
@@ -1210,7 +1210,7 @@
           <a:p>
             <a:fld id="{27347B32-6A7D-4B63-8B88-3F04635095CD}" type="datetimeFigureOut">
               <a:rPr lang="zh-CN" altLang="en-US" smtClean="0"/>
-              <a:t>2024/9/26</a:t>
+              <a:t>2024/9/27</a:t>
             </a:fld>
             <a:endParaRPr lang="zh-CN" altLang="en-US"/>
           </a:p>
@@ -1569,7 +1569,7 @@
           <a:p>
             <a:fld id="{27347B32-6A7D-4B63-8B88-3F04635095CD}" type="datetimeFigureOut">
               <a:rPr lang="zh-CN" altLang="en-US" smtClean="0"/>
-              <a:t>2024/9/26</a:t>
+              <a:t>2024/9/27</a:t>
             </a:fld>
             <a:endParaRPr lang="zh-CN" altLang="en-US"/>
           </a:p>
@@ -1681,7 +1681,7 @@
           <a:p>
             <a:fld id="{27347B32-6A7D-4B63-8B88-3F04635095CD}" type="datetimeFigureOut">
               <a:rPr lang="zh-CN" altLang="en-US" smtClean="0"/>
-              <a:t>2024/9/26</a:t>
+              <a:t>2024/9/27</a:t>
             </a:fld>
             <a:endParaRPr lang="zh-CN" altLang="en-US"/>
           </a:p>
@@ -1771,7 +1771,7 @@
           <a:p>
             <a:fld id="{27347B32-6A7D-4B63-8B88-3F04635095CD}" type="datetimeFigureOut">
               <a:rPr lang="zh-CN" altLang="en-US" smtClean="0"/>
-              <a:t>2024/9/26</a:t>
+              <a:t>2024/9/27</a:t>
             </a:fld>
             <a:endParaRPr lang="zh-CN" altLang="en-US"/>
           </a:p>
@@ -2041,7 +2041,7 @@
           <a:p>
             <a:fld id="{27347B32-6A7D-4B63-8B88-3F04635095CD}" type="datetimeFigureOut">
               <a:rPr lang="zh-CN" altLang="en-US" smtClean="0"/>
-              <a:t>2024/9/26</a:t>
+              <a:t>2024/9/27</a:t>
             </a:fld>
             <a:endParaRPr lang="zh-CN" altLang="en-US"/>
           </a:p>
@@ -2288,7 +2288,7 @@
           <a:p>
             <a:fld id="{27347B32-6A7D-4B63-8B88-3F04635095CD}" type="datetimeFigureOut">
               <a:rPr lang="zh-CN" altLang="en-US" smtClean="0"/>
-              <a:t>2024/9/26</a:t>
+              <a:t>2024/9/27</a:t>
             </a:fld>
             <a:endParaRPr lang="zh-CN" altLang="en-US"/>
           </a:p>
@@ -2494,7 +2494,7 @@
           <a:p>
             <a:fld id="{27347B32-6A7D-4B63-8B88-3F04635095CD}" type="datetimeFigureOut">
               <a:rPr lang="zh-CN" altLang="en-US" smtClean="0"/>
-              <a:t>2024/9/26</a:t>
+              <a:t>2024/9/27</a:t>
             </a:fld>
             <a:endParaRPr lang="zh-CN" altLang="en-US"/>
           </a:p>
@@ -11381,7 +11381,7 @@
           <p:nvPr>
             <p:extLst>
               <p:ext uri="{D42A27DB-BD31-4B8C-83A1-F6EECF244321}">
-                <p14:modId xmlns:p14="http://schemas.microsoft.com/office/powerpoint/2010/main" val="1588298787"/>
+                <p14:modId xmlns:p14="http://schemas.microsoft.com/office/powerpoint/2010/main" val="1995228322"/>
               </p:ext>
             </p:extLst>
           </p:nvPr>
@@ -12590,7 +12590,7 @@
                           <a:ea typeface="+mn-ea"/>
                           <a:cs typeface="Times New Roman" panose="02020603050405020304" pitchFamily="18" charset="0"/>
                         </a:rPr>
-                        <a:t>投料前冰浴</a:t>
+                        <a:t>投料前 冰浴</a:t>
                       </a:r>
                       <a:endParaRPr lang="zh-CN" altLang="zh-CN" sz="1600" kern="100" dirty="0">
                         <a:effectLst/>
@@ -12996,13 +12996,22 @@
                         <a:defRPr/>
                       </a:pPr>
                       <a:r>
+                        <a:rPr lang="en-US" altLang="zh-CN" sz="1600" kern="100" dirty="0" err="1">
+                          <a:effectLst/>
+                          <a:latin typeface="等线" panose="02010600030101010101" pitchFamily="2" charset="-122"/>
+                          <a:ea typeface="+mn-ea"/>
+                          <a:cs typeface="Times New Roman" panose="02020603050405020304" pitchFamily="18" charset="0"/>
+                        </a:rPr>
+                        <a:t>Faac</a:t>
+                      </a:r>
+                      <a:r>
                         <a:rPr lang="zh-CN" altLang="en-US" sz="1600" kern="100" dirty="0">
                           <a:effectLst/>
                           <a:latin typeface="等线" panose="02010600030101010101" pitchFamily="2" charset="-122"/>
                           <a:ea typeface="+mn-ea"/>
                           <a:cs typeface="Times New Roman" panose="02020603050405020304" pitchFamily="18" charset="0"/>
                         </a:rPr>
-                        <a:t>冰浴</a:t>
+                        <a:t>投料前 冰浴</a:t>
                       </a:r>
                       <a:endParaRPr lang="zh-CN" altLang="zh-CN" sz="1600" kern="100" dirty="0">
                         <a:effectLst/>
@@ -13263,7 +13272,7 @@
           <p:nvPr>
             <p:extLst>
               <p:ext uri="{D42A27DB-BD31-4B8C-83A1-F6EECF244321}">
-                <p14:modId xmlns:p14="http://schemas.microsoft.com/office/powerpoint/2010/main" val="3712825430"/>
+                <p14:modId xmlns:p14="http://schemas.microsoft.com/office/powerpoint/2010/main" val="2444340736"/>
               </p:ext>
             </p:extLst>
           </p:nvPr>

--- a/FAPbI3合成汇总.pptx
+++ b/FAPbI3合成汇总.pptx
@@ -9,11 +9,12 @@
     <p:sldId id="359" r:id="rId3"/>
     <p:sldId id="360" r:id="rId4"/>
     <p:sldId id="361" r:id="rId5"/>
+    <p:sldId id="362" r:id="rId6"/>
   </p:sldIdLst>
   <p:sldSz cx="12192000" cy="6858000"/>
   <p:notesSz cx="6858000" cy="9144000"/>
   <p:custDataLst>
-    <p:tags r:id="rId6"/>
+    <p:tags r:id="rId7"/>
   </p:custDataLst>
   <p:defaultTextStyle>
     <a:defPPr>
@@ -11378,10 +11379,1982 @@
           <p:cNvGraphicFramePr>
             <a:graphicFrameLocks noGrp="1"/>
           </p:cNvGraphicFramePr>
+          <p:nvPr/>
+        </p:nvGraphicFramePr>
+        <p:xfrm>
+          <a:off x="238124" y="186236"/>
+          <a:ext cx="11953876" cy="4760595"/>
+        </p:xfrm>
+        <a:graphic>
+          <a:graphicData uri="http://schemas.openxmlformats.org/drawingml/2006/table">
+            <a:tbl>
+              <a:tblPr firstRow="1" firstCol="1" bandRow="1"/>
+              <a:tblGrid>
+                <a:gridCol w="1505486">
+                  <a:extLst>
+                    <a:ext uri="{9D8B030D-6E8A-4147-A177-3AD203B41FA5}">
+                      <a16:colId xmlns:a16="http://schemas.microsoft.com/office/drawing/2014/main" val="781689166"/>
+                    </a:ext>
+                  </a:extLst>
+                </a:gridCol>
+                <a:gridCol w="1620136">
+                  <a:extLst>
+                    <a:ext uri="{9D8B030D-6E8A-4147-A177-3AD203B41FA5}">
+                      <a16:colId xmlns:a16="http://schemas.microsoft.com/office/drawing/2014/main" val="1108689918"/>
+                    </a:ext>
+                  </a:extLst>
+                </a:gridCol>
+                <a:gridCol w="1501929">
+                  <a:extLst>
+                    <a:ext uri="{9D8B030D-6E8A-4147-A177-3AD203B41FA5}">
+                      <a16:colId xmlns:a16="http://schemas.microsoft.com/office/drawing/2014/main" val="2907908305"/>
+                    </a:ext>
+                  </a:extLst>
+                </a:gridCol>
+                <a:gridCol w="1757078">
+                  <a:extLst>
+                    <a:ext uri="{9D8B030D-6E8A-4147-A177-3AD203B41FA5}">
+                      <a16:colId xmlns:a16="http://schemas.microsoft.com/office/drawing/2014/main" val="3913059745"/>
+                    </a:ext>
+                  </a:extLst>
+                </a:gridCol>
+                <a:gridCol w="1391310">
+                  <a:extLst>
+                    <a:ext uri="{9D8B030D-6E8A-4147-A177-3AD203B41FA5}">
+                      <a16:colId xmlns:a16="http://schemas.microsoft.com/office/drawing/2014/main" val="1538207228"/>
+                    </a:ext>
+                  </a:extLst>
+                </a:gridCol>
+                <a:gridCol w="1632857">
+                  <a:extLst>
+                    <a:ext uri="{9D8B030D-6E8A-4147-A177-3AD203B41FA5}">
+                      <a16:colId xmlns:a16="http://schemas.microsoft.com/office/drawing/2014/main" val="933972389"/>
+                    </a:ext>
+                  </a:extLst>
+                </a:gridCol>
+                <a:gridCol w="1133887">
+                  <a:extLst>
+                    <a:ext uri="{9D8B030D-6E8A-4147-A177-3AD203B41FA5}">
+                      <a16:colId xmlns:a16="http://schemas.microsoft.com/office/drawing/2014/main" val="4259555201"/>
+                    </a:ext>
+                  </a:extLst>
+                </a:gridCol>
+                <a:gridCol w="1411193">
+                  <a:extLst>
+                    <a:ext uri="{9D8B030D-6E8A-4147-A177-3AD203B41FA5}">
+                      <a16:colId xmlns:a16="http://schemas.microsoft.com/office/drawing/2014/main" val="2487439752"/>
+                    </a:ext>
+                  </a:extLst>
+                </a:gridCol>
+              </a:tblGrid>
+              <a:tr h="680085">
+                <a:tc>
+                  <a:txBody>
+                    <a:bodyPr/>
+                    <a:lstStyle/>
+                    <a:p>
+                      <a:pPr algn="ctr"/>
+                      <a:r>
+                        <a:rPr lang="zh-CN" sz="1600" kern="100" dirty="0">
+                          <a:effectLst/>
+                          <a:latin typeface="等线" panose="02010600030101010101" pitchFamily="2" charset="-122"/>
+                          <a:ea typeface="等线" panose="02010600030101010101" pitchFamily="2" charset="-122"/>
+                          <a:cs typeface="Times New Roman" panose="02020603050405020304" pitchFamily="18" charset="0"/>
+                        </a:rPr>
+                        <a:t>实验编号</a:t>
+                      </a:r>
+                    </a:p>
+                  </a:txBody>
+                  <a:tcPr marL="68580" marR="68580" marT="0" marB="0" anchor="ctr">
+                    <a:lnL>
+                      <a:noFill/>
+                    </a:lnL>
+                    <a:lnR>
+                      <a:noFill/>
+                    </a:lnR>
+                    <a:lnT w="12700" cap="flat" cmpd="sng" algn="ctr">
+                      <a:solidFill>
+                        <a:srgbClr val="000000"/>
+                      </a:solidFill>
+                      <a:prstDash val="solid"/>
+                      <a:round/>
+                      <a:headEnd type="none" w="med" len="med"/>
+                      <a:tailEnd type="none" w="med" len="med"/>
+                    </a:lnT>
+                    <a:lnB w="12700" cap="flat" cmpd="sng" algn="ctr">
+                      <a:solidFill>
+                        <a:srgbClr val="000000"/>
+                      </a:solidFill>
+                      <a:prstDash val="solid"/>
+                      <a:round/>
+                      <a:headEnd type="none" w="med" len="med"/>
+                      <a:tailEnd type="none" w="med" len="med"/>
+                    </a:lnB>
+                    <a:noFill/>
+                  </a:tcPr>
+                </a:tc>
+                <a:tc>
+                  <a:txBody>
+                    <a:bodyPr/>
+                    <a:lstStyle/>
+                    <a:p>
+                      <a:pPr algn="ctr"/>
+                      <a:r>
+                        <a:rPr lang="en-US" sz="1600" kern="100" dirty="0" err="1">
+                          <a:effectLst/>
+                          <a:latin typeface="等线" panose="02010600030101010101" pitchFamily="2" charset="-122"/>
+                          <a:ea typeface="等线" panose="02010600030101010101" pitchFamily="2" charset="-122"/>
+                          <a:cs typeface="Times New Roman" panose="02020603050405020304" pitchFamily="18" charset="0"/>
+                        </a:rPr>
+                        <a:t>FAAc</a:t>
+                      </a:r>
+                      <a:endParaRPr lang="zh-CN" sz="1600" kern="100" dirty="0">
+                        <a:effectLst/>
+                        <a:latin typeface="等线" panose="02010600030101010101" pitchFamily="2" charset="-122"/>
+                        <a:ea typeface="等线" panose="02010600030101010101" pitchFamily="2" charset="-122"/>
+                        <a:cs typeface="Times New Roman" panose="02020603050405020304" pitchFamily="18" charset="0"/>
+                      </a:endParaRPr>
+                    </a:p>
+                  </a:txBody>
+                  <a:tcPr marL="68580" marR="68580" marT="0" marB="0" anchor="ctr">
+                    <a:lnL>
+                      <a:noFill/>
+                    </a:lnL>
+                    <a:lnR>
+                      <a:noFill/>
+                    </a:lnR>
+                    <a:lnT w="12700" cap="flat" cmpd="sng" algn="ctr">
+                      <a:solidFill>
+                        <a:srgbClr val="000000"/>
+                      </a:solidFill>
+                      <a:prstDash val="solid"/>
+                      <a:round/>
+                      <a:headEnd type="none" w="med" len="med"/>
+                      <a:tailEnd type="none" w="med" len="med"/>
+                    </a:lnT>
+                    <a:lnB w="12700" cap="flat" cmpd="sng" algn="ctr">
+                      <a:solidFill>
+                        <a:srgbClr val="000000"/>
+                      </a:solidFill>
+                      <a:prstDash val="solid"/>
+                      <a:round/>
+                      <a:headEnd type="none" w="med" len="med"/>
+                      <a:tailEnd type="none" w="med" len="med"/>
+                    </a:lnB>
+                    <a:noFill/>
+                  </a:tcPr>
+                </a:tc>
+                <a:tc>
+                  <a:txBody>
+                    <a:bodyPr/>
+                    <a:lstStyle/>
+                    <a:p>
+                      <a:pPr algn="ctr"/>
+                      <a:r>
+                        <a:rPr lang="en-US" altLang="zh-CN" sz="1600" dirty="0">
+                          <a:latin typeface="Times New Roman" panose="02020603050405020304" pitchFamily="18" charset="0"/>
+                          <a:ea typeface="宋体" panose="02010600030101010101" pitchFamily="2" charset="-122"/>
+                        </a:rPr>
+                        <a:t>PbAc</a:t>
+                      </a:r>
+                      <a:r>
+                        <a:rPr lang="en-US" altLang="zh-CN" sz="1600" baseline="-25000" dirty="0">
+                          <a:latin typeface="Times New Roman" panose="02020603050405020304" pitchFamily="18" charset="0"/>
+                          <a:ea typeface="宋体" panose="02010600030101010101" pitchFamily="2" charset="-122"/>
+                        </a:rPr>
+                        <a:t>2</a:t>
+                      </a:r>
+                      <a:r>
+                        <a:rPr lang="en-US" altLang="zh-CN" sz="1600" dirty="0">
+                          <a:latin typeface="Times New Roman" panose="02020603050405020304" pitchFamily="18" charset="0"/>
+                          <a:ea typeface="宋体" panose="02010600030101010101" pitchFamily="2" charset="-122"/>
+                        </a:rPr>
+                        <a:t>·3H</a:t>
+                      </a:r>
+                      <a:r>
+                        <a:rPr lang="en-US" altLang="zh-CN" sz="1600" baseline="-25000" dirty="0">
+                          <a:latin typeface="Times New Roman" panose="02020603050405020304" pitchFamily="18" charset="0"/>
+                          <a:ea typeface="宋体" panose="02010600030101010101" pitchFamily="2" charset="-122"/>
+                        </a:rPr>
+                        <a:t>2</a:t>
+                      </a:r>
+                      <a:r>
+                        <a:rPr lang="en-US" altLang="zh-CN" sz="1600" dirty="0">
+                          <a:latin typeface="Times New Roman" panose="02020603050405020304" pitchFamily="18" charset="0"/>
+                          <a:ea typeface="宋体" panose="02010600030101010101" pitchFamily="2" charset="-122"/>
+                        </a:rPr>
+                        <a:t>O</a:t>
+                      </a:r>
+                      <a:endParaRPr lang="en-US" altLang="zh-CN" sz="1600" kern="100" dirty="0">
+                        <a:effectLst/>
+                        <a:latin typeface="等线" panose="02010600030101010101" pitchFamily="2" charset="-122"/>
+                        <a:ea typeface="+mn-ea"/>
+                        <a:cs typeface="Times New Roman" panose="02020603050405020304" pitchFamily="18" charset="0"/>
+                      </a:endParaRPr>
+                    </a:p>
+                  </a:txBody>
+                  <a:tcPr marL="68580" marR="68580" marT="0" marB="0" anchor="ctr">
+                    <a:lnL>
+                      <a:noFill/>
+                    </a:lnL>
+                    <a:lnR>
+                      <a:noFill/>
+                    </a:lnR>
+                    <a:lnT w="12700" cap="flat" cmpd="sng" algn="ctr">
+                      <a:solidFill>
+                        <a:srgbClr val="000000"/>
+                      </a:solidFill>
+                      <a:prstDash val="solid"/>
+                      <a:round/>
+                      <a:headEnd type="none" w="med" len="med"/>
+                      <a:tailEnd type="none" w="med" len="med"/>
+                    </a:lnT>
+                    <a:lnB w="12700" cap="flat" cmpd="sng" algn="ctr">
+                      <a:solidFill>
+                        <a:srgbClr val="000000"/>
+                      </a:solidFill>
+                      <a:prstDash val="solid"/>
+                      <a:round/>
+                      <a:headEnd type="none" w="med" len="med"/>
+                      <a:tailEnd type="none" w="med" len="med"/>
+                    </a:lnB>
+                    <a:noFill/>
+                  </a:tcPr>
+                </a:tc>
+                <a:tc>
+                  <a:txBody>
+                    <a:bodyPr/>
+                    <a:lstStyle/>
+                    <a:p>
+                      <a:pPr algn="ctr"/>
+                      <a:r>
+                        <a:rPr lang="en-US" sz="1600" kern="100">
+                          <a:effectLst/>
+                          <a:latin typeface="等线" panose="02010600030101010101" pitchFamily="2" charset="-122"/>
+                          <a:ea typeface="等线" panose="02010600030101010101" pitchFamily="2" charset="-122"/>
+                          <a:cs typeface="Times New Roman" panose="02020603050405020304" pitchFamily="18" charset="0"/>
+                        </a:rPr>
+                        <a:t>HI</a:t>
+                      </a:r>
+                      <a:endParaRPr lang="zh-CN" sz="1600" kern="100">
+                        <a:effectLst/>
+                        <a:latin typeface="等线" panose="02010600030101010101" pitchFamily="2" charset="-122"/>
+                        <a:ea typeface="等线" panose="02010600030101010101" pitchFamily="2" charset="-122"/>
+                        <a:cs typeface="Times New Roman" panose="02020603050405020304" pitchFamily="18" charset="0"/>
+                      </a:endParaRPr>
+                    </a:p>
+                  </a:txBody>
+                  <a:tcPr marL="68580" marR="68580" marT="0" marB="0" anchor="ctr">
+                    <a:lnL>
+                      <a:noFill/>
+                    </a:lnL>
+                    <a:lnR>
+                      <a:noFill/>
+                    </a:lnR>
+                    <a:lnT w="12700" cap="flat" cmpd="sng" algn="ctr">
+                      <a:solidFill>
+                        <a:srgbClr val="000000"/>
+                      </a:solidFill>
+                      <a:prstDash val="solid"/>
+                      <a:round/>
+                      <a:headEnd type="none" w="med" len="med"/>
+                      <a:tailEnd type="none" w="med" len="med"/>
+                    </a:lnT>
+                    <a:lnB w="12700" cap="flat" cmpd="sng" algn="ctr">
+                      <a:solidFill>
+                        <a:srgbClr val="000000"/>
+                      </a:solidFill>
+                      <a:prstDash val="solid"/>
+                      <a:round/>
+                      <a:headEnd type="none" w="med" len="med"/>
+                      <a:tailEnd type="none" w="med" len="med"/>
+                    </a:lnB>
+                    <a:noFill/>
+                  </a:tcPr>
+                </a:tc>
+                <a:tc>
+                  <a:txBody>
+                    <a:bodyPr/>
+                    <a:lstStyle/>
+                    <a:p>
+                      <a:pPr algn="ctr"/>
+                      <a:r>
+                        <a:rPr lang="zh-CN" sz="1600" kern="100">
+                          <a:effectLst/>
+                          <a:latin typeface="等线" panose="02010600030101010101" pitchFamily="2" charset="-122"/>
+                          <a:ea typeface="等线" panose="02010600030101010101" pitchFamily="2" charset="-122"/>
+                          <a:cs typeface="Times New Roman" panose="02020603050405020304" pitchFamily="18" charset="0"/>
+                        </a:rPr>
+                        <a:t>比例</a:t>
+                      </a:r>
+                    </a:p>
+                  </a:txBody>
+                  <a:tcPr marL="68580" marR="68580" marT="0" marB="0" anchor="ctr">
+                    <a:lnL>
+                      <a:noFill/>
+                    </a:lnL>
+                    <a:lnR>
+                      <a:noFill/>
+                    </a:lnR>
+                    <a:lnT w="12700" cap="flat" cmpd="sng" algn="ctr">
+                      <a:solidFill>
+                        <a:srgbClr val="000000"/>
+                      </a:solidFill>
+                      <a:prstDash val="solid"/>
+                      <a:round/>
+                      <a:headEnd type="none" w="med" len="med"/>
+                      <a:tailEnd type="none" w="med" len="med"/>
+                    </a:lnT>
+                    <a:lnB w="12700" cap="flat" cmpd="sng" algn="ctr">
+                      <a:solidFill>
+                        <a:srgbClr val="000000"/>
+                      </a:solidFill>
+                      <a:prstDash val="solid"/>
+                      <a:round/>
+                      <a:headEnd type="none" w="med" len="med"/>
+                      <a:tailEnd type="none" w="med" len="med"/>
+                    </a:lnB>
+                    <a:noFill/>
+                  </a:tcPr>
+                </a:tc>
+                <a:tc>
+                  <a:txBody>
+                    <a:bodyPr/>
+                    <a:lstStyle/>
+                    <a:p>
+                      <a:pPr algn="ctr"/>
+                      <a:r>
+                        <a:rPr lang="zh-CN" sz="1600" kern="100">
+                          <a:effectLst/>
+                          <a:latin typeface="等线" panose="02010600030101010101" pitchFamily="2" charset="-122"/>
+                          <a:ea typeface="等线" panose="02010600030101010101" pitchFamily="2" charset="-122"/>
+                          <a:cs typeface="Times New Roman" panose="02020603050405020304" pitchFamily="18" charset="0"/>
+                        </a:rPr>
+                        <a:t>合成方法</a:t>
+                      </a:r>
+                    </a:p>
+                  </a:txBody>
+                  <a:tcPr marL="68580" marR="68580" marT="0" marB="0" anchor="ctr">
+                    <a:lnL>
+                      <a:noFill/>
+                    </a:lnL>
+                    <a:lnR>
+                      <a:noFill/>
+                    </a:lnR>
+                    <a:lnT w="12700" cap="flat" cmpd="sng" algn="ctr">
+                      <a:solidFill>
+                        <a:srgbClr val="000000"/>
+                      </a:solidFill>
+                      <a:prstDash val="solid"/>
+                      <a:round/>
+                      <a:headEnd type="none" w="med" len="med"/>
+                      <a:tailEnd type="none" w="med" len="med"/>
+                    </a:lnT>
+                    <a:lnB w="12700" cap="flat" cmpd="sng" algn="ctr">
+                      <a:solidFill>
+                        <a:srgbClr val="000000"/>
+                      </a:solidFill>
+                      <a:prstDash val="solid"/>
+                      <a:round/>
+                      <a:headEnd type="none" w="med" len="med"/>
+                      <a:tailEnd type="none" w="med" len="med"/>
+                    </a:lnB>
+                    <a:noFill/>
+                  </a:tcPr>
+                </a:tc>
+                <a:tc>
+                  <a:txBody>
+                    <a:bodyPr/>
+                    <a:lstStyle/>
+                    <a:p>
+                      <a:pPr algn="ctr"/>
+                      <a:r>
+                        <a:rPr lang="zh-CN" altLang="en-US" sz="1600" kern="100" dirty="0">
+                          <a:effectLst/>
+                          <a:latin typeface="等线" panose="02010600030101010101" pitchFamily="2" charset="-122"/>
+                          <a:ea typeface="+mn-ea"/>
+                          <a:cs typeface="Times New Roman" panose="02020603050405020304" pitchFamily="18" charset="0"/>
+                        </a:rPr>
+                        <a:t>样品</a:t>
+                      </a:r>
+                      <a:endParaRPr lang="zh-CN" sz="1600" kern="100" dirty="0">
+                        <a:effectLst/>
+                        <a:latin typeface="等线" panose="02010600030101010101" pitchFamily="2" charset="-122"/>
+                        <a:ea typeface="等线" panose="02010600030101010101" pitchFamily="2" charset="-122"/>
+                        <a:cs typeface="Times New Roman" panose="02020603050405020304" pitchFamily="18" charset="0"/>
+                      </a:endParaRPr>
+                    </a:p>
+                  </a:txBody>
+                  <a:tcPr marL="68580" marR="68580" marT="0" marB="0" anchor="ctr">
+                    <a:lnL>
+                      <a:noFill/>
+                    </a:lnL>
+                    <a:lnR>
+                      <a:noFill/>
+                    </a:lnR>
+                    <a:lnT w="12700" cap="flat" cmpd="sng" algn="ctr">
+                      <a:solidFill>
+                        <a:srgbClr val="000000"/>
+                      </a:solidFill>
+                      <a:prstDash val="solid"/>
+                      <a:round/>
+                      <a:headEnd type="none" w="med" len="med"/>
+                      <a:tailEnd type="none" w="med" len="med"/>
+                    </a:lnT>
+                    <a:lnB w="12700" cap="flat" cmpd="sng" algn="ctr">
+                      <a:solidFill>
+                        <a:srgbClr val="000000"/>
+                      </a:solidFill>
+                      <a:prstDash val="solid"/>
+                      <a:round/>
+                      <a:headEnd type="none" w="med" len="med"/>
+                      <a:tailEnd type="none" w="med" len="med"/>
+                    </a:lnB>
+                    <a:noFill/>
+                  </a:tcPr>
+                </a:tc>
+                <a:tc>
+                  <a:txBody>
+                    <a:bodyPr/>
+                    <a:lstStyle/>
+                    <a:p>
+                      <a:pPr algn="ctr"/>
+                      <a:r>
+                        <a:rPr lang="en-US" altLang="zh-CN" sz="1600" kern="100" dirty="0" err="1">
+                          <a:effectLst/>
+                          <a:latin typeface="等线" panose="02010600030101010101" pitchFamily="2" charset="-122"/>
+                          <a:ea typeface="等线" panose="02010600030101010101" pitchFamily="2" charset="-122"/>
+                          <a:cs typeface="Times New Roman" panose="02020603050405020304" pitchFamily="18" charset="0"/>
+                        </a:rPr>
+                        <a:t>xrd</a:t>
+                      </a:r>
+                      <a:endParaRPr lang="zh-CN" sz="1600" kern="100" dirty="0">
+                        <a:effectLst/>
+                        <a:latin typeface="等线" panose="02010600030101010101" pitchFamily="2" charset="-122"/>
+                        <a:ea typeface="等线" panose="02010600030101010101" pitchFamily="2" charset="-122"/>
+                        <a:cs typeface="Times New Roman" panose="02020603050405020304" pitchFamily="18" charset="0"/>
+                      </a:endParaRPr>
+                    </a:p>
+                  </a:txBody>
+                  <a:tcPr marL="68580" marR="68580" marT="0" marB="0" anchor="ctr">
+                    <a:lnL>
+                      <a:noFill/>
+                    </a:lnL>
+                    <a:lnR>
+                      <a:noFill/>
+                    </a:lnR>
+                    <a:lnT w="12700" cap="flat" cmpd="sng" algn="ctr">
+                      <a:solidFill>
+                        <a:srgbClr val="000000"/>
+                      </a:solidFill>
+                      <a:prstDash val="solid"/>
+                      <a:round/>
+                      <a:headEnd type="none" w="med" len="med"/>
+                      <a:tailEnd type="none" w="med" len="med"/>
+                    </a:lnT>
+                    <a:lnB w="12700" cap="flat" cmpd="sng" algn="ctr">
+                      <a:solidFill>
+                        <a:srgbClr val="000000"/>
+                      </a:solidFill>
+                      <a:prstDash val="solid"/>
+                      <a:round/>
+                      <a:headEnd type="none" w="med" len="med"/>
+                      <a:tailEnd type="none" w="med" len="med"/>
+                    </a:lnB>
+                    <a:noFill/>
+                  </a:tcPr>
+                </a:tc>
+                <a:extLst>
+                  <a:ext uri="{0D108BD9-81ED-4DB2-BD59-A6C34878D82A}">
+                    <a16:rowId xmlns:a16="http://schemas.microsoft.com/office/drawing/2014/main" val="3357922812"/>
+                  </a:ext>
+                </a:extLst>
+              </a:tr>
+              <a:tr h="1360170">
+                <a:tc>
+                  <a:txBody>
+                    <a:bodyPr/>
+                    <a:lstStyle/>
+                    <a:p>
+                      <a:pPr algn="ctr"/>
+                      <a:r>
+                        <a:rPr lang="en-US" sz="1600" kern="100" dirty="0">
+                          <a:effectLst/>
+                          <a:latin typeface="等线" panose="02010600030101010101" pitchFamily="2" charset="-122"/>
+                          <a:ea typeface="等线" panose="02010600030101010101" pitchFamily="2" charset="-122"/>
+                          <a:cs typeface="Times New Roman" panose="02020603050405020304" pitchFamily="18" charset="0"/>
+                        </a:rPr>
+                        <a:t>240924lsj</a:t>
+                      </a:r>
+                      <a:endParaRPr lang="zh-CN" sz="1600" kern="100" dirty="0">
+                        <a:effectLst/>
+                        <a:latin typeface="等线" panose="02010600030101010101" pitchFamily="2" charset="-122"/>
+                        <a:ea typeface="等线" panose="02010600030101010101" pitchFamily="2" charset="-122"/>
+                        <a:cs typeface="Times New Roman" panose="02020603050405020304" pitchFamily="18" charset="0"/>
+                      </a:endParaRPr>
+                    </a:p>
+                  </a:txBody>
+                  <a:tcPr marL="68580" marR="68580" marT="0" marB="0" anchor="ctr">
+                    <a:lnL>
+                      <a:noFill/>
+                    </a:lnL>
+                    <a:lnR>
+                      <a:noFill/>
+                    </a:lnR>
+                    <a:lnT w="12700" cap="flat" cmpd="sng" algn="ctr">
+                      <a:solidFill>
+                        <a:srgbClr val="000000"/>
+                      </a:solidFill>
+                      <a:prstDash val="solid"/>
+                      <a:round/>
+                      <a:headEnd type="none" w="med" len="med"/>
+                      <a:tailEnd type="none" w="med" len="med"/>
+                    </a:lnT>
+                    <a:lnB>
+                      <a:noFill/>
+                    </a:lnB>
+                    <a:noFill/>
+                  </a:tcPr>
+                </a:tc>
+                <a:tc>
+                  <a:txBody>
+                    <a:bodyPr/>
+                    <a:lstStyle/>
+                    <a:p>
+                      <a:pPr algn="ctr"/>
+                      <a:r>
+                        <a:rPr lang="en-US" altLang="zh-CN" sz="1600" dirty="0">
+                          <a:latin typeface="Times New Roman" panose="02020603050405020304" pitchFamily="18" charset="0"/>
+                          <a:ea typeface="宋体" panose="02010600030101010101" pitchFamily="2" charset="-122"/>
+                        </a:rPr>
+                        <a:t>99% </a:t>
+                      </a:r>
+                      <a:r>
+                        <a:rPr lang="zh-CN" altLang="en-US" sz="1600" dirty="0">
+                          <a:latin typeface="Times New Roman" panose="02020603050405020304" pitchFamily="18" charset="0"/>
+                          <a:ea typeface="宋体" panose="02010600030101010101" pitchFamily="2" charset="-122"/>
+                        </a:rPr>
+                        <a:t>麦克林</a:t>
+                      </a:r>
+                      <a:endParaRPr lang="zh-CN" altLang="zh-CN" sz="1600" kern="100" dirty="0">
+                        <a:effectLst/>
+                        <a:latin typeface="等线" panose="02010600030101010101" pitchFamily="2" charset="-122"/>
+                        <a:ea typeface="+mn-ea"/>
+                        <a:cs typeface="Times New Roman" panose="02020603050405020304" pitchFamily="18" charset="0"/>
+                      </a:endParaRPr>
+                    </a:p>
+                  </a:txBody>
+                  <a:tcPr marL="68580" marR="68580" marT="0" marB="0" anchor="ctr">
+                    <a:lnL>
+                      <a:noFill/>
+                    </a:lnL>
+                    <a:lnR>
+                      <a:noFill/>
+                    </a:lnR>
+                    <a:lnT w="12700" cap="flat" cmpd="sng" algn="ctr">
+                      <a:solidFill>
+                        <a:srgbClr val="000000"/>
+                      </a:solidFill>
+                      <a:prstDash val="solid"/>
+                      <a:round/>
+                      <a:headEnd type="none" w="med" len="med"/>
+                      <a:tailEnd type="none" w="med" len="med"/>
+                    </a:lnT>
+                    <a:lnB>
+                      <a:noFill/>
+                    </a:lnB>
+                    <a:noFill/>
+                  </a:tcPr>
+                </a:tc>
+                <a:tc>
+                  <a:txBody>
+                    <a:bodyPr/>
+                    <a:lstStyle/>
+                    <a:p>
+                      <a:pPr algn="ctr"/>
+                      <a:r>
+                        <a:rPr lang="en-US" altLang="zh-CN" sz="1600" dirty="0">
+                          <a:latin typeface="Times New Roman" panose="02020603050405020304" pitchFamily="18" charset="0"/>
+                          <a:ea typeface="宋体" panose="02010600030101010101" pitchFamily="2" charset="-122"/>
+                        </a:rPr>
+                        <a:t>99.5% </a:t>
+                      </a:r>
+                      <a:r>
+                        <a:rPr lang="zh-CN" altLang="en-US" sz="1600" dirty="0">
+                          <a:latin typeface="Times New Roman" panose="02020603050405020304" pitchFamily="18" charset="0"/>
+                          <a:ea typeface="宋体" panose="02010600030101010101" pitchFamily="2" charset="-122"/>
+                        </a:rPr>
+                        <a:t>阿拉丁</a:t>
+                      </a:r>
+                      <a:endParaRPr lang="zh-CN" sz="1600" kern="100" dirty="0">
+                        <a:effectLst/>
+                        <a:latin typeface="等线" panose="02010600030101010101" pitchFamily="2" charset="-122"/>
+                        <a:ea typeface="等线" panose="02010600030101010101" pitchFamily="2" charset="-122"/>
+                        <a:cs typeface="Times New Roman" panose="02020603050405020304" pitchFamily="18" charset="0"/>
+                      </a:endParaRPr>
+                    </a:p>
+                  </a:txBody>
+                  <a:tcPr marL="68580" marR="68580" marT="0" marB="0" anchor="ctr">
+                    <a:lnL>
+                      <a:noFill/>
+                    </a:lnL>
+                    <a:lnR>
+                      <a:noFill/>
+                    </a:lnR>
+                    <a:lnT w="12700" cap="flat" cmpd="sng" algn="ctr">
+                      <a:solidFill>
+                        <a:srgbClr val="000000"/>
+                      </a:solidFill>
+                      <a:prstDash val="solid"/>
+                      <a:round/>
+                      <a:headEnd type="none" w="med" len="med"/>
+                      <a:tailEnd type="none" w="med" len="med"/>
+                    </a:lnT>
+                    <a:lnB>
+                      <a:noFill/>
+                    </a:lnB>
+                    <a:noFill/>
+                  </a:tcPr>
+                </a:tc>
+                <a:tc>
+                  <a:txBody>
+                    <a:bodyPr/>
+                    <a:lstStyle/>
+                    <a:p>
+                      <a:pPr algn="ctr"/>
+                      <a:r>
+                        <a:rPr lang="zh-CN" altLang="en-US" sz="1600" kern="100" dirty="0">
+                          <a:effectLst/>
+                          <a:latin typeface="等线" panose="02010600030101010101" pitchFamily="2" charset="-122"/>
+                          <a:ea typeface="+mn-ea"/>
+                          <a:cs typeface="Times New Roman" panose="02020603050405020304" pitchFamily="18" charset="0"/>
+                        </a:rPr>
+                        <a:t>迈瑞尔</a:t>
+                      </a:r>
+                      <a:r>
+                        <a:rPr lang="en-US" altLang="zh-CN" sz="1600" kern="100" dirty="0">
+                          <a:effectLst/>
+                          <a:latin typeface="等线" panose="02010600030101010101" pitchFamily="2" charset="-122"/>
+                          <a:ea typeface="+mn-ea"/>
+                          <a:cs typeface="Times New Roman" panose="02020603050405020304" pitchFamily="18" charset="0"/>
+                        </a:rPr>
+                        <a:t> -500ml-57%</a:t>
+                      </a:r>
+                      <a:endParaRPr lang="zh-CN" altLang="zh-CN" sz="1600" kern="100" dirty="0">
+                        <a:effectLst/>
+                        <a:latin typeface="等线" panose="02010600030101010101" pitchFamily="2" charset="-122"/>
+                        <a:ea typeface="+mn-ea"/>
+                        <a:cs typeface="Times New Roman" panose="02020603050405020304" pitchFamily="18" charset="0"/>
+                      </a:endParaRPr>
+                    </a:p>
+                  </a:txBody>
+                  <a:tcPr marL="68580" marR="68580" marT="0" marB="0" anchor="ctr">
+                    <a:lnL>
+                      <a:noFill/>
+                    </a:lnL>
+                    <a:lnR>
+                      <a:noFill/>
+                    </a:lnR>
+                    <a:lnT w="12700" cap="flat" cmpd="sng" algn="ctr">
+                      <a:solidFill>
+                        <a:srgbClr val="000000"/>
+                      </a:solidFill>
+                      <a:prstDash val="solid"/>
+                      <a:round/>
+                      <a:headEnd type="none" w="med" len="med"/>
+                      <a:tailEnd type="none" w="med" len="med"/>
+                    </a:lnT>
+                    <a:lnB>
+                      <a:noFill/>
+                    </a:lnB>
+                    <a:noFill/>
+                  </a:tcPr>
+                </a:tc>
+                <a:tc>
+                  <a:txBody>
+                    <a:bodyPr/>
+                    <a:lstStyle/>
+                    <a:p>
+                      <a:pPr algn="ctr"/>
+                      <a:r>
+                        <a:rPr lang="en-US" sz="1600" kern="100" dirty="0">
+                          <a:effectLst/>
+                          <a:latin typeface="等线" panose="02010600030101010101" pitchFamily="2" charset="-122"/>
+                          <a:ea typeface="等线" panose="02010600030101010101" pitchFamily="2" charset="-122"/>
+                          <a:cs typeface="Times New Roman" panose="02020603050405020304" pitchFamily="18" charset="0"/>
+                        </a:rPr>
+                        <a:t>1.5</a:t>
+                      </a:r>
+                      <a:r>
+                        <a:rPr lang="zh-CN" sz="1600" kern="100" dirty="0">
+                          <a:effectLst/>
+                          <a:latin typeface="等线" panose="02010600030101010101" pitchFamily="2" charset="-122"/>
+                          <a:ea typeface="等线" panose="02010600030101010101" pitchFamily="2" charset="-122"/>
+                          <a:cs typeface="Times New Roman" panose="02020603050405020304" pitchFamily="18" charset="0"/>
+                        </a:rPr>
+                        <a:t>：</a:t>
+                      </a:r>
+                      <a:r>
+                        <a:rPr lang="en-US" sz="1600" kern="100" dirty="0">
+                          <a:effectLst/>
+                          <a:latin typeface="等线" panose="02010600030101010101" pitchFamily="2" charset="-122"/>
+                          <a:ea typeface="等线" panose="02010600030101010101" pitchFamily="2" charset="-122"/>
+                          <a:cs typeface="Times New Roman" panose="02020603050405020304" pitchFamily="18" charset="0"/>
+                        </a:rPr>
+                        <a:t>1</a:t>
+                      </a:r>
+                      <a:r>
+                        <a:rPr lang="zh-CN" sz="1600" kern="100" dirty="0">
+                          <a:effectLst/>
+                          <a:latin typeface="等线" panose="02010600030101010101" pitchFamily="2" charset="-122"/>
+                          <a:ea typeface="等线" panose="02010600030101010101" pitchFamily="2" charset="-122"/>
+                          <a:cs typeface="Times New Roman" panose="02020603050405020304" pitchFamily="18" charset="0"/>
+                        </a:rPr>
+                        <a:t>：</a:t>
+                      </a:r>
+                      <a:r>
+                        <a:rPr lang="en-US" sz="1600" kern="100" dirty="0">
+                          <a:effectLst/>
+                          <a:latin typeface="等线" panose="02010600030101010101" pitchFamily="2" charset="-122"/>
+                          <a:ea typeface="等线" panose="02010600030101010101" pitchFamily="2" charset="-122"/>
+                          <a:cs typeface="Times New Roman" panose="02020603050405020304" pitchFamily="18" charset="0"/>
+                        </a:rPr>
+                        <a:t>5</a:t>
+                      </a:r>
+                      <a:endParaRPr lang="zh-CN" sz="1600" kern="100" dirty="0">
+                        <a:effectLst/>
+                        <a:latin typeface="等线" panose="02010600030101010101" pitchFamily="2" charset="-122"/>
+                        <a:ea typeface="等线" panose="02010600030101010101" pitchFamily="2" charset="-122"/>
+                        <a:cs typeface="Times New Roman" panose="02020603050405020304" pitchFamily="18" charset="0"/>
+                      </a:endParaRPr>
+                    </a:p>
+                  </a:txBody>
+                  <a:tcPr marL="68580" marR="68580" marT="0" marB="0" anchor="ctr">
+                    <a:lnL>
+                      <a:noFill/>
+                    </a:lnL>
+                    <a:lnR>
+                      <a:noFill/>
+                    </a:lnR>
+                    <a:lnT w="12700" cap="flat" cmpd="sng" algn="ctr">
+                      <a:solidFill>
+                        <a:srgbClr val="000000"/>
+                      </a:solidFill>
+                      <a:prstDash val="solid"/>
+                      <a:round/>
+                      <a:headEnd type="none" w="med" len="med"/>
+                      <a:tailEnd type="none" w="med" len="med"/>
+                    </a:lnT>
+                    <a:lnB>
+                      <a:noFill/>
+                    </a:lnB>
+                    <a:noFill/>
+                  </a:tcPr>
+                </a:tc>
+                <a:tc>
+                  <a:txBody>
+                    <a:bodyPr/>
+                    <a:lstStyle/>
+                    <a:p>
+                      <a:pPr algn="ctr"/>
+                      <a:r>
+                        <a:rPr lang="zh-CN" altLang="en-US" sz="1600" kern="100" dirty="0">
+                          <a:effectLst/>
+                          <a:latin typeface="等线" panose="02010600030101010101" pitchFamily="2" charset="-122"/>
+                          <a:ea typeface="+mn-ea"/>
+                          <a:cs typeface="Times New Roman" panose="02020603050405020304" pitchFamily="18" charset="0"/>
+                        </a:rPr>
+                        <a:t>冰浴</a:t>
+                      </a:r>
+                      <a:endParaRPr lang="zh-CN" sz="1600" kern="100" dirty="0">
+                        <a:effectLst/>
+                        <a:latin typeface="等线" panose="02010600030101010101" pitchFamily="2" charset="-122"/>
+                        <a:ea typeface="等线" panose="02010600030101010101" pitchFamily="2" charset="-122"/>
+                        <a:cs typeface="Times New Roman" panose="02020603050405020304" pitchFamily="18" charset="0"/>
+                      </a:endParaRPr>
+                    </a:p>
+                  </a:txBody>
+                  <a:tcPr marL="68580" marR="68580" marT="0" marB="0" anchor="ctr">
+                    <a:lnL>
+                      <a:noFill/>
+                    </a:lnL>
+                    <a:lnR>
+                      <a:noFill/>
+                    </a:lnR>
+                    <a:lnT w="12700" cap="flat" cmpd="sng" algn="ctr">
+                      <a:solidFill>
+                        <a:srgbClr val="000000"/>
+                      </a:solidFill>
+                      <a:prstDash val="solid"/>
+                      <a:round/>
+                      <a:headEnd type="none" w="med" len="med"/>
+                      <a:tailEnd type="none" w="med" len="med"/>
+                    </a:lnT>
+                    <a:lnB>
+                      <a:noFill/>
+                    </a:lnB>
+                    <a:noFill/>
+                  </a:tcPr>
+                </a:tc>
+                <a:tc>
+                  <a:txBody>
+                    <a:bodyPr/>
+                    <a:lstStyle/>
+                    <a:p>
+                      <a:pPr algn="ctr"/>
+                      <a:endParaRPr lang="zh-CN" sz="1600" kern="100" dirty="0">
+                        <a:effectLst/>
+                        <a:latin typeface="等线" panose="02010600030101010101" pitchFamily="2" charset="-122"/>
+                        <a:ea typeface="等线" panose="02010600030101010101" pitchFamily="2" charset="-122"/>
+                        <a:cs typeface="Times New Roman" panose="02020603050405020304" pitchFamily="18" charset="0"/>
+                      </a:endParaRPr>
+                    </a:p>
+                  </a:txBody>
+                  <a:tcPr marL="68580" marR="68580" marT="0" marB="0" anchor="ctr">
+                    <a:lnL>
+                      <a:noFill/>
+                    </a:lnL>
+                    <a:lnR>
+                      <a:noFill/>
+                    </a:lnR>
+                    <a:lnT w="12700" cap="flat" cmpd="sng" algn="ctr">
+                      <a:solidFill>
+                        <a:srgbClr val="000000"/>
+                      </a:solidFill>
+                      <a:prstDash val="solid"/>
+                      <a:round/>
+                      <a:headEnd type="none" w="med" len="med"/>
+                      <a:tailEnd type="none" w="med" len="med"/>
+                    </a:lnT>
+                    <a:lnB>
+                      <a:noFill/>
+                    </a:lnB>
+                    <a:noFill/>
+                  </a:tcPr>
+                </a:tc>
+                <a:tc>
+                  <a:txBody>
+                    <a:bodyPr/>
+                    <a:lstStyle/>
+                    <a:p>
+                      <a:pPr algn="ctr"/>
+                      <a:endParaRPr lang="zh-CN" sz="1600" kern="100" dirty="0">
+                        <a:effectLst/>
+                        <a:latin typeface="等线" panose="02010600030101010101" pitchFamily="2" charset="-122"/>
+                        <a:ea typeface="等线" panose="02010600030101010101" pitchFamily="2" charset="-122"/>
+                        <a:cs typeface="Times New Roman" panose="02020603050405020304" pitchFamily="18" charset="0"/>
+                      </a:endParaRPr>
+                    </a:p>
+                  </a:txBody>
+                  <a:tcPr marL="68580" marR="68580" marT="0" marB="0" anchor="ctr">
+                    <a:lnL>
+                      <a:noFill/>
+                    </a:lnL>
+                    <a:lnR>
+                      <a:noFill/>
+                    </a:lnR>
+                    <a:lnT w="12700" cap="flat" cmpd="sng" algn="ctr">
+                      <a:solidFill>
+                        <a:srgbClr val="000000"/>
+                      </a:solidFill>
+                      <a:prstDash val="solid"/>
+                      <a:round/>
+                      <a:headEnd type="none" w="med" len="med"/>
+                      <a:tailEnd type="none" w="med" len="med"/>
+                    </a:lnT>
+                    <a:lnB>
+                      <a:noFill/>
+                    </a:lnB>
+                    <a:noFill/>
+                  </a:tcPr>
+                </a:tc>
+                <a:extLst>
+                  <a:ext uri="{0D108BD9-81ED-4DB2-BD59-A6C34878D82A}">
+                    <a16:rowId xmlns:a16="http://schemas.microsoft.com/office/drawing/2014/main" val="3833626183"/>
+                  </a:ext>
+                </a:extLst>
+              </a:tr>
+              <a:tr h="1360170">
+                <a:tc>
+                  <a:txBody>
+                    <a:bodyPr/>
+                    <a:lstStyle/>
+                    <a:p>
+                      <a:pPr marL="0" marR="0" lvl="0" indent="0" algn="ctr" defTabSz="914400" rtl="0" eaLnBrk="1" fontAlgn="auto" latinLnBrk="0" hangingPunct="1">
+                        <a:lnSpc>
+                          <a:spcPct val="100000"/>
+                        </a:lnSpc>
+                        <a:spcBef>
+                          <a:spcPts val="0"/>
+                        </a:spcBef>
+                        <a:spcAft>
+                          <a:spcPts val="0"/>
+                        </a:spcAft>
+                        <a:buClrTx/>
+                        <a:buSzTx/>
+                        <a:buFontTx/>
+                        <a:buNone/>
+                        <a:defRPr/>
+                      </a:pPr>
+                      <a:r>
+                        <a:rPr lang="en-US" altLang="zh-CN" sz="1600" kern="100" dirty="0">
+                          <a:effectLst/>
+                          <a:latin typeface="等线" panose="02010600030101010101" pitchFamily="2" charset="-122"/>
+                          <a:ea typeface="+mn-ea"/>
+                          <a:cs typeface="Times New Roman" panose="02020603050405020304" pitchFamily="18" charset="0"/>
+                        </a:rPr>
+                        <a:t>240924-1-yyl</a:t>
+                      </a:r>
+                      <a:endParaRPr lang="zh-CN" sz="1600" kern="100" dirty="0">
+                        <a:effectLst/>
+                        <a:latin typeface="等线" panose="02010600030101010101" pitchFamily="2" charset="-122"/>
+                        <a:ea typeface="等线" panose="02010600030101010101" pitchFamily="2" charset="-122"/>
+                        <a:cs typeface="Times New Roman" panose="02020603050405020304" pitchFamily="18" charset="0"/>
+                      </a:endParaRPr>
+                    </a:p>
+                  </a:txBody>
+                  <a:tcPr marL="68580" marR="68580" marT="0" marB="0" anchor="ctr">
+                    <a:lnL>
+                      <a:noFill/>
+                    </a:lnL>
+                    <a:lnR>
+                      <a:noFill/>
+                    </a:lnR>
+                    <a:lnT>
+                      <a:noFill/>
+                    </a:lnT>
+                    <a:lnB>
+                      <a:noFill/>
+                    </a:lnB>
+                    <a:noFill/>
+                  </a:tcPr>
+                </a:tc>
+                <a:tc>
+                  <a:txBody>
+                    <a:bodyPr/>
+                    <a:lstStyle/>
+                    <a:p>
+                      <a:pPr algn="ctr"/>
+                      <a:r>
+                        <a:rPr lang="zh-CN" altLang="en-US" sz="1600" kern="100" dirty="0">
+                          <a:effectLst/>
+                          <a:latin typeface="等线" panose="02010600030101010101" pitchFamily="2" charset="-122"/>
+                          <a:ea typeface="+mn-ea"/>
+                          <a:cs typeface="Times New Roman" panose="02020603050405020304" pitchFamily="18" charset="0"/>
+                        </a:rPr>
+                        <a:t>麦克林</a:t>
+                      </a:r>
+                      <a:r>
+                        <a:rPr lang="en-US" altLang="zh-CN" sz="1600" kern="100" dirty="0">
+                          <a:effectLst/>
+                          <a:latin typeface="等线" panose="02010600030101010101" pitchFamily="2" charset="-122"/>
+                          <a:ea typeface="+mn-ea"/>
+                          <a:cs typeface="Times New Roman" panose="02020603050405020304" pitchFamily="18" charset="0"/>
+                        </a:rPr>
+                        <a:t>-99%</a:t>
+                      </a:r>
+                      <a:endParaRPr lang="zh-CN" altLang="zh-CN" sz="1600" kern="100" dirty="0">
+                        <a:effectLst/>
+                        <a:latin typeface="等线" panose="02010600030101010101" pitchFamily="2" charset="-122"/>
+                        <a:ea typeface="+mn-ea"/>
+                        <a:cs typeface="Times New Roman" panose="02020603050405020304" pitchFamily="18" charset="0"/>
+                      </a:endParaRPr>
+                    </a:p>
+                  </a:txBody>
+                  <a:tcPr marL="68580" marR="68580" marT="0" marB="0" anchor="ctr">
+                    <a:lnL>
+                      <a:noFill/>
+                    </a:lnL>
+                    <a:lnR>
+                      <a:noFill/>
+                    </a:lnR>
+                    <a:lnT>
+                      <a:noFill/>
+                    </a:lnT>
+                    <a:lnB>
+                      <a:noFill/>
+                    </a:lnB>
+                    <a:noFill/>
+                  </a:tcPr>
+                </a:tc>
+                <a:tc>
+                  <a:txBody>
+                    <a:bodyPr/>
+                    <a:lstStyle/>
+                    <a:p>
+                      <a:pPr algn="ctr"/>
+                      <a:r>
+                        <a:rPr lang="zh-CN" altLang="en-US" sz="1600" kern="100" dirty="0">
+                          <a:effectLst/>
+                          <a:latin typeface="等线" panose="02010600030101010101" pitchFamily="2" charset="-122"/>
+                          <a:ea typeface="等线" panose="02010600030101010101" pitchFamily="2" charset="-122"/>
+                          <a:cs typeface="Times New Roman" panose="02020603050405020304" pitchFamily="18" charset="0"/>
+                        </a:rPr>
+                        <a:t>阿拉丁</a:t>
+                      </a:r>
+                      <a:r>
+                        <a:rPr lang="en-US" altLang="zh-CN" sz="1600" kern="100" dirty="0">
+                          <a:effectLst/>
+                          <a:latin typeface="等线" panose="02010600030101010101" pitchFamily="2" charset="-122"/>
+                          <a:ea typeface="等线" panose="02010600030101010101" pitchFamily="2" charset="-122"/>
+                          <a:cs typeface="Times New Roman" panose="02020603050405020304" pitchFamily="18" charset="0"/>
+                        </a:rPr>
+                        <a:t>-99.5%</a:t>
+                      </a:r>
+                      <a:endParaRPr lang="zh-CN" sz="1600" kern="100" dirty="0">
+                        <a:effectLst/>
+                        <a:latin typeface="等线" panose="02010600030101010101" pitchFamily="2" charset="-122"/>
+                        <a:ea typeface="等线" panose="02010600030101010101" pitchFamily="2" charset="-122"/>
+                        <a:cs typeface="Times New Roman" panose="02020603050405020304" pitchFamily="18" charset="0"/>
+                      </a:endParaRPr>
+                    </a:p>
+                  </a:txBody>
+                  <a:tcPr marL="68580" marR="68580" marT="0" marB="0" anchor="ctr">
+                    <a:lnL>
+                      <a:noFill/>
+                    </a:lnL>
+                    <a:lnR>
+                      <a:noFill/>
+                    </a:lnR>
+                    <a:lnT>
+                      <a:noFill/>
+                    </a:lnT>
+                    <a:lnB>
+                      <a:noFill/>
+                    </a:lnB>
+                    <a:noFill/>
+                  </a:tcPr>
+                </a:tc>
+                <a:tc>
+                  <a:txBody>
+                    <a:bodyPr/>
+                    <a:lstStyle/>
+                    <a:p>
+                      <a:pPr algn="ctr"/>
+                      <a:r>
+                        <a:rPr lang="zh-CN" altLang="en-US" sz="1600" kern="100" dirty="0">
+                          <a:effectLst/>
+                          <a:latin typeface="等线" panose="02010600030101010101" pitchFamily="2" charset="-122"/>
+                          <a:ea typeface="等线" panose="02010600030101010101" pitchFamily="2" charset="-122"/>
+                          <a:cs typeface="Times New Roman" panose="02020603050405020304" pitchFamily="18" charset="0"/>
+                        </a:rPr>
+                        <a:t>迈瑞尔</a:t>
+                      </a:r>
+                      <a:r>
+                        <a:rPr lang="en-US" altLang="zh-CN" sz="1600" kern="100" dirty="0">
+                          <a:effectLst/>
+                          <a:latin typeface="等线" panose="02010600030101010101" pitchFamily="2" charset="-122"/>
+                          <a:ea typeface="等线" panose="02010600030101010101" pitchFamily="2" charset="-122"/>
+                          <a:cs typeface="Times New Roman" panose="02020603050405020304" pitchFamily="18" charset="0"/>
+                        </a:rPr>
+                        <a:t>-57%</a:t>
+                      </a:r>
+                      <a:endParaRPr lang="zh-CN" sz="1600" kern="100" dirty="0">
+                        <a:effectLst/>
+                        <a:latin typeface="等线" panose="02010600030101010101" pitchFamily="2" charset="-122"/>
+                        <a:ea typeface="等线" panose="02010600030101010101" pitchFamily="2" charset="-122"/>
+                        <a:cs typeface="Times New Roman" panose="02020603050405020304" pitchFamily="18" charset="0"/>
+                      </a:endParaRPr>
+                    </a:p>
+                  </a:txBody>
+                  <a:tcPr marL="68580" marR="68580" marT="0" marB="0" anchor="ctr">
+                    <a:lnL>
+                      <a:noFill/>
+                    </a:lnL>
+                    <a:lnR>
+                      <a:noFill/>
+                    </a:lnR>
+                    <a:lnT>
+                      <a:noFill/>
+                    </a:lnT>
+                    <a:lnB>
+                      <a:noFill/>
+                    </a:lnB>
+                    <a:noFill/>
+                  </a:tcPr>
+                </a:tc>
+                <a:tc>
+                  <a:txBody>
+                    <a:bodyPr/>
+                    <a:lstStyle/>
+                    <a:p>
+                      <a:pPr algn="ctr"/>
+                      <a:r>
+                        <a:rPr lang="en-US" sz="1600" kern="100" dirty="0">
+                          <a:effectLst/>
+                          <a:latin typeface="等线" panose="02010600030101010101" pitchFamily="2" charset="-122"/>
+                          <a:ea typeface="等线" panose="02010600030101010101" pitchFamily="2" charset="-122"/>
+                          <a:cs typeface="Times New Roman" panose="02020603050405020304" pitchFamily="18" charset="0"/>
+                        </a:rPr>
+                        <a:t>1.2</a:t>
+                      </a:r>
+                      <a:r>
+                        <a:rPr lang="zh-CN" altLang="en-US" sz="1600" kern="100" dirty="0">
+                          <a:effectLst/>
+                          <a:latin typeface="等线" panose="02010600030101010101" pitchFamily="2" charset="-122"/>
+                          <a:ea typeface="等线" panose="02010600030101010101" pitchFamily="2" charset="-122"/>
+                          <a:cs typeface="Times New Roman" panose="02020603050405020304" pitchFamily="18" charset="0"/>
+                        </a:rPr>
+                        <a:t>：</a:t>
+                      </a:r>
+                      <a:r>
+                        <a:rPr lang="en-US" altLang="zh-CN" sz="1600" kern="100" dirty="0">
+                          <a:effectLst/>
+                          <a:latin typeface="等线" panose="02010600030101010101" pitchFamily="2" charset="-122"/>
+                          <a:ea typeface="等线" panose="02010600030101010101" pitchFamily="2" charset="-122"/>
+                          <a:cs typeface="Times New Roman" panose="02020603050405020304" pitchFamily="18" charset="0"/>
+                        </a:rPr>
+                        <a:t>1</a:t>
+                      </a:r>
+                      <a:r>
+                        <a:rPr lang="zh-CN" altLang="en-US" sz="1600" kern="100" dirty="0">
+                          <a:effectLst/>
+                          <a:latin typeface="等线" panose="02010600030101010101" pitchFamily="2" charset="-122"/>
+                          <a:ea typeface="等线" panose="02010600030101010101" pitchFamily="2" charset="-122"/>
+                          <a:cs typeface="Times New Roman" panose="02020603050405020304" pitchFamily="18" charset="0"/>
+                        </a:rPr>
+                        <a:t>：</a:t>
+                      </a:r>
+                      <a:r>
+                        <a:rPr lang="en-US" altLang="zh-CN" sz="1600" kern="100" dirty="0">
+                          <a:effectLst/>
+                          <a:latin typeface="等线" panose="02010600030101010101" pitchFamily="2" charset="-122"/>
+                          <a:ea typeface="等线" panose="02010600030101010101" pitchFamily="2" charset="-122"/>
+                          <a:cs typeface="Times New Roman" panose="02020603050405020304" pitchFamily="18" charset="0"/>
+                        </a:rPr>
+                        <a:t>16.6</a:t>
+                      </a:r>
+                      <a:endParaRPr lang="zh-CN" sz="1600" kern="100" dirty="0">
+                        <a:effectLst/>
+                        <a:latin typeface="等线" panose="02010600030101010101" pitchFamily="2" charset="-122"/>
+                        <a:ea typeface="等线" panose="02010600030101010101" pitchFamily="2" charset="-122"/>
+                        <a:cs typeface="Times New Roman" panose="02020603050405020304" pitchFamily="18" charset="0"/>
+                      </a:endParaRPr>
+                    </a:p>
+                  </a:txBody>
+                  <a:tcPr marL="68580" marR="68580" marT="0" marB="0" anchor="ctr">
+                    <a:lnL>
+                      <a:noFill/>
+                    </a:lnL>
+                    <a:lnR>
+                      <a:noFill/>
+                    </a:lnR>
+                    <a:lnT>
+                      <a:noFill/>
+                    </a:lnT>
+                    <a:lnB>
+                      <a:noFill/>
+                    </a:lnB>
+                    <a:noFill/>
+                  </a:tcPr>
+                </a:tc>
+                <a:tc>
+                  <a:txBody>
+                    <a:bodyPr/>
+                    <a:lstStyle/>
+                    <a:p>
+                      <a:pPr marL="0" marR="0" lvl="0" indent="0" algn="ctr" defTabSz="914400" rtl="0" eaLnBrk="1" fontAlgn="auto" latinLnBrk="0" hangingPunct="1">
+                        <a:lnSpc>
+                          <a:spcPct val="100000"/>
+                        </a:lnSpc>
+                        <a:spcBef>
+                          <a:spcPts val="0"/>
+                        </a:spcBef>
+                        <a:spcAft>
+                          <a:spcPts val="0"/>
+                        </a:spcAft>
+                        <a:buClrTx/>
+                        <a:buSzTx/>
+                        <a:buFontTx/>
+                        <a:buNone/>
+                        <a:defRPr/>
+                      </a:pPr>
+                      <a:r>
+                        <a:rPr lang="en-US" altLang="zh-CN" sz="1600" kern="100" dirty="0" err="1">
+                          <a:effectLst/>
+                          <a:latin typeface="等线" panose="02010600030101010101" pitchFamily="2" charset="-122"/>
+                          <a:ea typeface="+mn-ea"/>
+                          <a:cs typeface="Times New Roman" panose="02020603050405020304" pitchFamily="18" charset="0"/>
+                        </a:rPr>
+                        <a:t>Faac</a:t>
+                      </a:r>
+                      <a:r>
+                        <a:rPr lang="zh-CN" altLang="en-US" sz="1600" kern="100" dirty="0">
+                          <a:effectLst/>
+                          <a:latin typeface="等线" panose="02010600030101010101" pitchFamily="2" charset="-122"/>
+                          <a:ea typeface="+mn-ea"/>
+                          <a:cs typeface="Times New Roman" panose="02020603050405020304" pitchFamily="18" charset="0"/>
+                        </a:rPr>
+                        <a:t>投料前 冰浴</a:t>
+                      </a:r>
+                      <a:endParaRPr lang="zh-CN" altLang="zh-CN" sz="1600" kern="100" dirty="0">
+                        <a:effectLst/>
+                        <a:latin typeface="等线" panose="02010600030101010101" pitchFamily="2" charset="-122"/>
+                        <a:ea typeface="+mn-ea"/>
+                        <a:cs typeface="Times New Roman" panose="02020603050405020304" pitchFamily="18" charset="0"/>
+                      </a:endParaRPr>
+                    </a:p>
+                    <a:p>
+                      <a:pPr algn="ctr"/>
+                      <a:r>
+                        <a:rPr lang="en-US" sz="1600" kern="100" dirty="0">
+                          <a:effectLst/>
+                          <a:latin typeface="等线" panose="02010600030101010101" pitchFamily="2" charset="-122"/>
+                          <a:ea typeface="等线" panose="02010600030101010101" pitchFamily="2" charset="-122"/>
+                          <a:cs typeface="Times New Roman" panose="02020603050405020304" pitchFamily="18" charset="0"/>
+                        </a:rPr>
+                        <a:t> </a:t>
+                      </a:r>
+                      <a:endParaRPr lang="zh-CN" sz="1600" kern="100" dirty="0">
+                        <a:effectLst/>
+                        <a:latin typeface="等线" panose="02010600030101010101" pitchFamily="2" charset="-122"/>
+                        <a:ea typeface="等线" panose="02010600030101010101" pitchFamily="2" charset="-122"/>
+                        <a:cs typeface="Times New Roman" panose="02020603050405020304" pitchFamily="18" charset="0"/>
+                      </a:endParaRPr>
+                    </a:p>
+                  </a:txBody>
+                  <a:tcPr marL="68580" marR="68580" marT="0" marB="0" anchor="ctr">
+                    <a:lnL>
+                      <a:noFill/>
+                    </a:lnL>
+                    <a:lnR>
+                      <a:noFill/>
+                    </a:lnR>
+                    <a:lnT>
+                      <a:noFill/>
+                    </a:lnT>
+                    <a:lnB>
+                      <a:noFill/>
+                    </a:lnB>
+                    <a:noFill/>
+                  </a:tcPr>
+                </a:tc>
+                <a:tc>
+                  <a:txBody>
+                    <a:bodyPr/>
+                    <a:lstStyle/>
+                    <a:p>
+                      <a:pPr algn="ctr"/>
+                      <a:endParaRPr lang="zh-CN" sz="1600" kern="100" dirty="0">
+                        <a:effectLst/>
+                        <a:latin typeface="等线" panose="02010600030101010101" pitchFamily="2" charset="-122"/>
+                        <a:ea typeface="等线" panose="02010600030101010101" pitchFamily="2" charset="-122"/>
+                        <a:cs typeface="Times New Roman" panose="02020603050405020304" pitchFamily="18" charset="0"/>
+                      </a:endParaRPr>
+                    </a:p>
+                  </a:txBody>
+                  <a:tcPr marL="68580" marR="68580" marT="0" marB="0" anchor="ctr">
+                    <a:lnL>
+                      <a:noFill/>
+                    </a:lnL>
+                    <a:lnR>
+                      <a:noFill/>
+                    </a:lnR>
+                    <a:lnT>
+                      <a:noFill/>
+                    </a:lnT>
+                    <a:lnB>
+                      <a:noFill/>
+                    </a:lnB>
+                    <a:noFill/>
+                  </a:tcPr>
+                </a:tc>
+                <a:tc>
+                  <a:txBody>
+                    <a:bodyPr/>
+                    <a:lstStyle/>
+                    <a:p>
+                      <a:pPr algn="ctr"/>
+                      <a:endParaRPr lang="zh-CN" sz="1600" kern="100" dirty="0">
+                        <a:effectLst/>
+                        <a:latin typeface="等线" panose="02010600030101010101" pitchFamily="2" charset="-122"/>
+                        <a:ea typeface="等线" panose="02010600030101010101" pitchFamily="2" charset="-122"/>
+                        <a:cs typeface="Times New Roman" panose="02020603050405020304" pitchFamily="18" charset="0"/>
+                      </a:endParaRPr>
+                    </a:p>
+                  </a:txBody>
+                  <a:tcPr marL="68580" marR="68580" marT="0" marB="0" anchor="ctr">
+                    <a:lnL>
+                      <a:noFill/>
+                    </a:lnL>
+                    <a:lnR>
+                      <a:noFill/>
+                    </a:lnR>
+                    <a:lnT>
+                      <a:noFill/>
+                    </a:lnT>
+                    <a:lnB>
+                      <a:noFill/>
+                    </a:lnB>
+                    <a:noFill/>
+                  </a:tcPr>
+                </a:tc>
+                <a:extLst>
+                  <a:ext uri="{0D108BD9-81ED-4DB2-BD59-A6C34878D82A}">
+                    <a16:rowId xmlns:a16="http://schemas.microsoft.com/office/drawing/2014/main" val="1330403617"/>
+                  </a:ext>
+                </a:extLst>
+              </a:tr>
+              <a:tr h="1360170">
+                <a:tc>
+                  <a:txBody>
+                    <a:bodyPr/>
+                    <a:lstStyle/>
+                    <a:p>
+                      <a:pPr marL="0" marR="0" lvl="0" indent="0" algn="ctr" defTabSz="914400" rtl="0" eaLnBrk="1" fontAlgn="auto" latinLnBrk="0" hangingPunct="1">
+                        <a:lnSpc>
+                          <a:spcPct val="100000"/>
+                        </a:lnSpc>
+                        <a:spcBef>
+                          <a:spcPts val="0"/>
+                        </a:spcBef>
+                        <a:spcAft>
+                          <a:spcPts val="0"/>
+                        </a:spcAft>
+                        <a:buClrTx/>
+                        <a:buSzTx/>
+                        <a:buFontTx/>
+                        <a:buNone/>
+                        <a:defRPr/>
+                      </a:pPr>
+                      <a:r>
+                        <a:rPr lang="en-US" altLang="zh-CN" sz="1600" kern="100" dirty="0">
+                          <a:effectLst/>
+                          <a:latin typeface="等线" panose="02010600030101010101" pitchFamily="2" charset="-122"/>
+                          <a:ea typeface="+mn-ea"/>
+                          <a:cs typeface="Times New Roman" panose="02020603050405020304" pitchFamily="18" charset="0"/>
+                        </a:rPr>
+                        <a:t>240924-2-yyl</a:t>
+                      </a:r>
+                      <a:endParaRPr lang="zh-CN" sz="1600" kern="100" dirty="0">
+                        <a:effectLst/>
+                        <a:latin typeface="等线" panose="02010600030101010101" pitchFamily="2" charset="-122"/>
+                        <a:ea typeface="等线" panose="02010600030101010101" pitchFamily="2" charset="-122"/>
+                        <a:cs typeface="Times New Roman" panose="02020603050405020304" pitchFamily="18" charset="0"/>
+                      </a:endParaRPr>
+                    </a:p>
+                  </a:txBody>
+                  <a:tcPr marL="68580" marR="68580" marT="0" marB="0" anchor="ctr">
+                    <a:lnL>
+                      <a:noFill/>
+                    </a:lnL>
+                    <a:lnR>
+                      <a:noFill/>
+                    </a:lnR>
+                    <a:lnT>
+                      <a:noFill/>
+                    </a:lnT>
+                    <a:lnB>
+                      <a:noFill/>
+                    </a:lnB>
+                    <a:noFill/>
+                  </a:tcPr>
+                </a:tc>
+                <a:tc>
+                  <a:txBody>
+                    <a:bodyPr/>
+                    <a:lstStyle/>
+                    <a:p>
+                      <a:pPr algn="ctr"/>
+                      <a:r>
+                        <a:rPr lang="zh-CN" altLang="en-US" sz="1600" kern="100" dirty="0">
+                          <a:effectLst/>
+                          <a:latin typeface="等线" panose="02010600030101010101" pitchFamily="2" charset="-122"/>
+                          <a:ea typeface="+mn-ea"/>
+                          <a:cs typeface="Times New Roman" panose="02020603050405020304" pitchFamily="18" charset="0"/>
+                        </a:rPr>
+                        <a:t>麦克林</a:t>
+                      </a:r>
+                      <a:r>
+                        <a:rPr lang="en-US" altLang="zh-CN" sz="1600" kern="100" dirty="0">
+                          <a:effectLst/>
+                          <a:latin typeface="等线" panose="02010600030101010101" pitchFamily="2" charset="-122"/>
+                          <a:ea typeface="+mn-ea"/>
+                          <a:cs typeface="Times New Roman" panose="02020603050405020304" pitchFamily="18" charset="0"/>
+                        </a:rPr>
+                        <a:t>-99%</a:t>
+                      </a:r>
+                      <a:endParaRPr lang="zh-CN" altLang="zh-CN" sz="1600" kern="100" dirty="0">
+                        <a:effectLst/>
+                        <a:latin typeface="等线" panose="02010600030101010101" pitchFamily="2" charset="-122"/>
+                        <a:ea typeface="+mn-ea"/>
+                        <a:cs typeface="Times New Roman" panose="02020603050405020304" pitchFamily="18" charset="0"/>
+                      </a:endParaRPr>
+                    </a:p>
+                  </a:txBody>
+                  <a:tcPr marL="68580" marR="68580" marT="0" marB="0" anchor="ctr">
+                    <a:lnL>
+                      <a:noFill/>
+                    </a:lnL>
+                    <a:lnR>
+                      <a:noFill/>
+                    </a:lnR>
+                    <a:lnT>
+                      <a:noFill/>
+                    </a:lnT>
+                    <a:lnB>
+                      <a:noFill/>
+                    </a:lnB>
+                    <a:noFill/>
+                  </a:tcPr>
+                </a:tc>
+                <a:tc>
+                  <a:txBody>
+                    <a:bodyPr/>
+                    <a:lstStyle/>
+                    <a:p>
+                      <a:pPr algn="ctr"/>
+                      <a:r>
+                        <a:rPr lang="zh-CN" altLang="en-US" sz="1600" kern="100" dirty="0">
+                          <a:effectLst/>
+                          <a:latin typeface="等线" panose="02010600030101010101" pitchFamily="2" charset="-122"/>
+                          <a:ea typeface="等线" panose="02010600030101010101" pitchFamily="2" charset="-122"/>
+                          <a:cs typeface="Times New Roman" panose="02020603050405020304" pitchFamily="18" charset="0"/>
+                        </a:rPr>
+                        <a:t>阿拉丁</a:t>
+                      </a:r>
+                      <a:r>
+                        <a:rPr lang="en-US" altLang="zh-CN" sz="1600" kern="100" dirty="0">
+                          <a:effectLst/>
+                          <a:latin typeface="等线" panose="02010600030101010101" pitchFamily="2" charset="-122"/>
+                          <a:ea typeface="等线" panose="02010600030101010101" pitchFamily="2" charset="-122"/>
+                          <a:cs typeface="Times New Roman" panose="02020603050405020304" pitchFamily="18" charset="0"/>
+                        </a:rPr>
+                        <a:t>-99.5%</a:t>
+                      </a:r>
+                      <a:endParaRPr lang="zh-CN" sz="1600" kern="100" dirty="0">
+                        <a:effectLst/>
+                        <a:latin typeface="等线" panose="02010600030101010101" pitchFamily="2" charset="-122"/>
+                        <a:ea typeface="等线" panose="02010600030101010101" pitchFamily="2" charset="-122"/>
+                        <a:cs typeface="Times New Roman" panose="02020603050405020304" pitchFamily="18" charset="0"/>
+                      </a:endParaRPr>
+                    </a:p>
+                  </a:txBody>
+                  <a:tcPr marL="68580" marR="68580" marT="0" marB="0" anchor="ctr">
+                    <a:lnL>
+                      <a:noFill/>
+                    </a:lnL>
+                    <a:lnR>
+                      <a:noFill/>
+                    </a:lnR>
+                    <a:lnT>
+                      <a:noFill/>
+                    </a:lnT>
+                    <a:lnB>
+                      <a:noFill/>
+                    </a:lnB>
+                    <a:noFill/>
+                  </a:tcPr>
+                </a:tc>
+                <a:tc>
+                  <a:txBody>
+                    <a:bodyPr/>
+                    <a:lstStyle/>
+                    <a:p>
+                      <a:pPr algn="ctr"/>
+                      <a:r>
+                        <a:rPr lang="zh-CN" altLang="en-US" sz="1600" kern="100" dirty="0">
+                          <a:effectLst/>
+                          <a:latin typeface="等线" panose="02010600030101010101" pitchFamily="2" charset="-122"/>
+                          <a:ea typeface="+mn-ea"/>
+                          <a:cs typeface="Times New Roman" panose="02020603050405020304" pitchFamily="18" charset="0"/>
+                        </a:rPr>
+                        <a:t>阿拉丁</a:t>
+                      </a:r>
+                      <a:r>
+                        <a:rPr lang="en-US" altLang="zh-CN" sz="1600" kern="100" dirty="0">
+                          <a:effectLst/>
+                          <a:latin typeface="等线" panose="02010600030101010101" pitchFamily="2" charset="-122"/>
+                          <a:ea typeface="+mn-ea"/>
+                          <a:cs typeface="Times New Roman" panose="02020603050405020304" pitchFamily="18" charset="0"/>
+                        </a:rPr>
+                        <a:t>-2.5kg-47%</a:t>
+                      </a:r>
+                      <a:endParaRPr lang="zh-CN" altLang="zh-CN" sz="1600" kern="100" dirty="0">
+                        <a:effectLst/>
+                        <a:latin typeface="等线" panose="02010600030101010101" pitchFamily="2" charset="-122"/>
+                        <a:ea typeface="+mn-ea"/>
+                        <a:cs typeface="Times New Roman" panose="02020603050405020304" pitchFamily="18" charset="0"/>
+                      </a:endParaRPr>
+                    </a:p>
+                  </a:txBody>
+                  <a:tcPr marL="68580" marR="68580" marT="0" marB="0" anchor="ctr">
+                    <a:lnL>
+                      <a:noFill/>
+                    </a:lnL>
+                    <a:lnR>
+                      <a:noFill/>
+                    </a:lnR>
+                    <a:lnT>
+                      <a:noFill/>
+                    </a:lnT>
+                    <a:lnB>
+                      <a:noFill/>
+                    </a:lnB>
+                    <a:noFill/>
+                  </a:tcPr>
+                </a:tc>
+                <a:tc>
+                  <a:txBody>
+                    <a:bodyPr/>
+                    <a:lstStyle/>
+                    <a:p>
+                      <a:pPr algn="ctr"/>
+                      <a:r>
+                        <a:rPr lang="en-US" sz="1600" kern="100" dirty="0">
+                          <a:effectLst/>
+                          <a:latin typeface="等线" panose="02010600030101010101" pitchFamily="2" charset="-122"/>
+                          <a:ea typeface="等线" panose="02010600030101010101" pitchFamily="2" charset="-122"/>
+                          <a:cs typeface="Times New Roman" panose="02020603050405020304" pitchFamily="18" charset="0"/>
+                        </a:rPr>
+                        <a:t>1.2</a:t>
+                      </a:r>
+                      <a:r>
+                        <a:rPr lang="zh-CN" altLang="en-US" sz="1600" kern="100" dirty="0">
+                          <a:effectLst/>
+                          <a:latin typeface="等线" panose="02010600030101010101" pitchFamily="2" charset="-122"/>
+                          <a:ea typeface="等线" panose="02010600030101010101" pitchFamily="2" charset="-122"/>
+                          <a:cs typeface="Times New Roman" panose="02020603050405020304" pitchFamily="18" charset="0"/>
+                        </a:rPr>
+                        <a:t>：</a:t>
+                      </a:r>
+                      <a:r>
+                        <a:rPr lang="en-US" altLang="zh-CN" sz="1600" kern="100" dirty="0">
+                          <a:effectLst/>
+                          <a:latin typeface="等线" panose="02010600030101010101" pitchFamily="2" charset="-122"/>
+                          <a:ea typeface="等线" panose="02010600030101010101" pitchFamily="2" charset="-122"/>
+                          <a:cs typeface="Times New Roman" panose="02020603050405020304" pitchFamily="18" charset="0"/>
+                        </a:rPr>
+                        <a:t>1</a:t>
+                      </a:r>
+                      <a:r>
+                        <a:rPr lang="zh-CN" altLang="en-US" sz="1600" kern="100" dirty="0">
+                          <a:effectLst/>
+                          <a:latin typeface="等线" panose="02010600030101010101" pitchFamily="2" charset="-122"/>
+                          <a:ea typeface="等线" panose="02010600030101010101" pitchFamily="2" charset="-122"/>
+                          <a:cs typeface="Times New Roman" panose="02020603050405020304" pitchFamily="18" charset="0"/>
+                        </a:rPr>
+                        <a:t>：</a:t>
+                      </a:r>
+                      <a:r>
+                        <a:rPr lang="en-US" altLang="zh-CN" sz="1600" kern="100" dirty="0">
+                          <a:effectLst/>
+                          <a:latin typeface="等线" panose="02010600030101010101" pitchFamily="2" charset="-122"/>
+                          <a:ea typeface="等线" panose="02010600030101010101" pitchFamily="2" charset="-122"/>
+                          <a:cs typeface="Times New Roman" panose="02020603050405020304" pitchFamily="18" charset="0"/>
+                        </a:rPr>
+                        <a:t>13.61</a:t>
+                      </a:r>
+                      <a:endParaRPr lang="zh-CN" sz="1600" kern="100" dirty="0">
+                        <a:effectLst/>
+                        <a:latin typeface="等线" panose="02010600030101010101" pitchFamily="2" charset="-122"/>
+                        <a:ea typeface="等线" panose="02010600030101010101" pitchFamily="2" charset="-122"/>
+                        <a:cs typeface="Times New Roman" panose="02020603050405020304" pitchFamily="18" charset="0"/>
+                      </a:endParaRPr>
+                    </a:p>
+                  </a:txBody>
+                  <a:tcPr marL="68580" marR="68580" marT="0" marB="0" anchor="ctr">
+                    <a:lnL>
+                      <a:noFill/>
+                    </a:lnL>
+                    <a:lnR>
+                      <a:noFill/>
+                    </a:lnR>
+                    <a:lnT>
+                      <a:noFill/>
+                    </a:lnT>
+                    <a:lnB>
+                      <a:noFill/>
+                    </a:lnB>
+                    <a:noFill/>
+                  </a:tcPr>
+                </a:tc>
+                <a:tc>
+                  <a:txBody>
+                    <a:bodyPr/>
+                    <a:lstStyle/>
+                    <a:p>
+                      <a:pPr marL="0" marR="0" lvl="0" indent="0" algn="ctr" defTabSz="914400" rtl="0" eaLnBrk="1" fontAlgn="auto" latinLnBrk="0" hangingPunct="1">
+                        <a:lnSpc>
+                          <a:spcPct val="100000"/>
+                        </a:lnSpc>
+                        <a:spcBef>
+                          <a:spcPts val="0"/>
+                        </a:spcBef>
+                        <a:spcAft>
+                          <a:spcPts val="0"/>
+                        </a:spcAft>
+                        <a:buClrTx/>
+                        <a:buSzTx/>
+                        <a:buFontTx/>
+                        <a:buNone/>
+                        <a:defRPr/>
+                      </a:pPr>
+                      <a:r>
+                        <a:rPr lang="en-US" altLang="zh-CN" sz="1600" kern="100" dirty="0" err="1">
+                          <a:effectLst/>
+                          <a:latin typeface="等线" panose="02010600030101010101" pitchFamily="2" charset="-122"/>
+                          <a:ea typeface="+mn-ea"/>
+                          <a:cs typeface="Times New Roman" panose="02020603050405020304" pitchFamily="18" charset="0"/>
+                        </a:rPr>
+                        <a:t>Faac</a:t>
+                      </a:r>
+                      <a:r>
+                        <a:rPr lang="zh-CN" altLang="en-US" sz="1600" kern="100" dirty="0">
+                          <a:effectLst/>
+                          <a:latin typeface="等线" panose="02010600030101010101" pitchFamily="2" charset="-122"/>
+                          <a:ea typeface="+mn-ea"/>
+                          <a:cs typeface="Times New Roman" panose="02020603050405020304" pitchFamily="18" charset="0"/>
+                        </a:rPr>
+                        <a:t>投料前 冰浴</a:t>
+                      </a:r>
+                      <a:endParaRPr lang="zh-CN" altLang="zh-CN" sz="1600" kern="100" dirty="0">
+                        <a:effectLst/>
+                        <a:latin typeface="等线" panose="02010600030101010101" pitchFamily="2" charset="-122"/>
+                        <a:ea typeface="+mn-ea"/>
+                        <a:cs typeface="Times New Roman" panose="02020603050405020304" pitchFamily="18" charset="0"/>
+                      </a:endParaRPr>
+                    </a:p>
+                    <a:p>
+                      <a:pPr algn="ctr"/>
+                      <a:r>
+                        <a:rPr lang="en-US" sz="1600" kern="100" dirty="0">
+                          <a:effectLst/>
+                          <a:latin typeface="等线" panose="02010600030101010101" pitchFamily="2" charset="-122"/>
+                          <a:ea typeface="等线" panose="02010600030101010101" pitchFamily="2" charset="-122"/>
+                          <a:cs typeface="Times New Roman" panose="02020603050405020304" pitchFamily="18" charset="0"/>
+                        </a:rPr>
+                        <a:t> </a:t>
+                      </a:r>
+                      <a:endParaRPr lang="zh-CN" sz="1600" kern="100" dirty="0">
+                        <a:effectLst/>
+                        <a:latin typeface="等线" panose="02010600030101010101" pitchFamily="2" charset="-122"/>
+                        <a:ea typeface="等线" panose="02010600030101010101" pitchFamily="2" charset="-122"/>
+                        <a:cs typeface="Times New Roman" panose="02020603050405020304" pitchFamily="18" charset="0"/>
+                      </a:endParaRPr>
+                    </a:p>
+                  </a:txBody>
+                  <a:tcPr marL="68580" marR="68580" marT="0" marB="0" anchor="ctr">
+                    <a:lnL>
+                      <a:noFill/>
+                    </a:lnL>
+                    <a:lnR>
+                      <a:noFill/>
+                    </a:lnR>
+                    <a:lnT>
+                      <a:noFill/>
+                    </a:lnT>
+                    <a:lnB>
+                      <a:noFill/>
+                    </a:lnB>
+                    <a:noFill/>
+                  </a:tcPr>
+                </a:tc>
+                <a:tc>
+                  <a:txBody>
+                    <a:bodyPr/>
+                    <a:lstStyle/>
+                    <a:p>
+                      <a:pPr algn="ctr"/>
+                      <a:endParaRPr lang="zh-CN" sz="1600" kern="100" dirty="0">
+                        <a:effectLst/>
+                        <a:latin typeface="等线" panose="02010600030101010101" pitchFamily="2" charset="-122"/>
+                        <a:ea typeface="等线" panose="02010600030101010101" pitchFamily="2" charset="-122"/>
+                        <a:cs typeface="Times New Roman" panose="02020603050405020304" pitchFamily="18" charset="0"/>
+                      </a:endParaRPr>
+                    </a:p>
+                  </a:txBody>
+                  <a:tcPr marL="68580" marR="68580" marT="0" marB="0" anchor="ctr">
+                    <a:lnL>
+                      <a:noFill/>
+                    </a:lnL>
+                    <a:lnR>
+                      <a:noFill/>
+                    </a:lnR>
+                    <a:lnT>
+                      <a:noFill/>
+                    </a:lnT>
+                    <a:lnB>
+                      <a:noFill/>
+                    </a:lnB>
+                    <a:noFill/>
+                  </a:tcPr>
+                </a:tc>
+                <a:tc>
+                  <a:txBody>
+                    <a:bodyPr/>
+                    <a:lstStyle/>
+                    <a:p>
+                      <a:pPr algn="ctr"/>
+                      <a:endParaRPr lang="zh-CN" sz="1600" kern="100" dirty="0">
+                        <a:effectLst/>
+                        <a:latin typeface="等线" panose="02010600030101010101" pitchFamily="2" charset="-122"/>
+                        <a:ea typeface="等线" panose="02010600030101010101" pitchFamily="2" charset="-122"/>
+                        <a:cs typeface="Times New Roman" panose="02020603050405020304" pitchFamily="18" charset="0"/>
+                      </a:endParaRPr>
+                    </a:p>
+                  </a:txBody>
+                  <a:tcPr marL="68580" marR="68580" marT="0" marB="0" anchor="ctr">
+                    <a:lnL>
+                      <a:noFill/>
+                    </a:lnL>
+                    <a:lnR>
+                      <a:noFill/>
+                    </a:lnR>
+                    <a:lnT>
+                      <a:noFill/>
+                    </a:lnT>
+                    <a:lnB>
+                      <a:noFill/>
+                    </a:lnB>
+                    <a:noFill/>
+                  </a:tcPr>
+                </a:tc>
+                <a:extLst>
+                  <a:ext uri="{0D108BD9-81ED-4DB2-BD59-A6C34878D82A}">
+                    <a16:rowId xmlns:a16="http://schemas.microsoft.com/office/drawing/2014/main" val="1964792870"/>
+                  </a:ext>
+                </a:extLst>
+              </a:tr>
+            </a:tbl>
+          </a:graphicData>
+        </a:graphic>
+      </p:graphicFrame>
+      <p:graphicFrame>
+        <p:nvGraphicFramePr>
+          <p:cNvPr id="4" name="对象 3">
+            <a:extLst>
+              <a:ext uri="{FF2B5EF4-FFF2-40B4-BE49-F238E27FC236}">
+                <a16:creationId xmlns:a16="http://schemas.microsoft.com/office/drawing/2014/main" id="{291B2968-03BF-4B52-454A-7BF58FCBA0B1}"/>
+              </a:ext>
+            </a:extLst>
+          </p:cNvPr>
+          <p:cNvGraphicFramePr>
+            <a:graphicFrameLocks noChangeAspect="1"/>
+          </p:cNvGraphicFramePr>
+          <p:nvPr/>
+        </p:nvGraphicFramePr>
+        <p:xfrm>
+          <a:off x="10744201" y="1139766"/>
+          <a:ext cx="1296430" cy="995597"/>
+        </p:xfrm>
+        <a:graphic>
+          <a:graphicData uri="http://schemas.openxmlformats.org/presentationml/2006/ole">
+            <mc:AlternateContent xmlns:mc="http://schemas.openxmlformats.org/markup-compatibility/2006">
+              <mc:Choice xmlns:v="urn:schemas-microsoft-com:vml" Requires="v">
+                <p:oleObj name="Graph" r:id="rId2" imgW="3250080" imgH="2494800" progId="Origin95.Graph">
+                  <p:embed/>
+                </p:oleObj>
+              </mc:Choice>
+              <mc:Fallback>
+                <p:oleObj name="Graph" r:id="rId2" imgW="3250080" imgH="2494800" progId="Origin95.Graph">
+                  <p:embed/>
+                  <p:pic>
+                    <p:nvPicPr>
+                      <p:cNvPr id="4" name="对象 3">
+                        <a:extLst>
+                          <a:ext uri="{FF2B5EF4-FFF2-40B4-BE49-F238E27FC236}">
+                            <a16:creationId xmlns:a16="http://schemas.microsoft.com/office/drawing/2014/main" id="{291B2968-03BF-4B52-454A-7BF58FCBA0B1}"/>
+                          </a:ext>
+                        </a:extLst>
+                      </p:cNvPr>
+                      <p:cNvPicPr/>
+                      <p:nvPr/>
+                    </p:nvPicPr>
+                    <p:blipFill>
+                      <a:blip r:embed="rId3"/>
+                      <a:stretch>
+                        <a:fillRect/>
+                      </a:stretch>
+                    </p:blipFill>
+                    <p:spPr>
+                      <a:xfrm>
+                        <a:off x="10744201" y="1139766"/>
+                        <a:ext cx="1296430" cy="995597"/>
+                      </a:xfrm>
+                      <a:prstGeom prst="rect">
+                        <a:avLst/>
+                      </a:prstGeom>
+                    </p:spPr>
+                  </p:pic>
+                </p:oleObj>
+              </mc:Fallback>
+            </mc:AlternateContent>
+          </a:graphicData>
+        </a:graphic>
+      </p:graphicFrame>
+      <p:graphicFrame>
+        <p:nvGraphicFramePr>
+          <p:cNvPr id="7" name="对象 6">
+            <a:extLst>
+              <a:ext uri="{FF2B5EF4-FFF2-40B4-BE49-F238E27FC236}">
+                <a16:creationId xmlns:a16="http://schemas.microsoft.com/office/drawing/2014/main" id="{6E2953AA-FB15-45CD-5C03-24A1D79A61EF}"/>
+              </a:ext>
+            </a:extLst>
+          </p:cNvPr>
+          <p:cNvGraphicFramePr>
+            <a:graphicFrameLocks noChangeAspect="1"/>
+          </p:cNvGraphicFramePr>
+          <p:nvPr/>
+        </p:nvGraphicFramePr>
+        <p:xfrm>
+          <a:off x="10535194" y="2322504"/>
+          <a:ext cx="1821996" cy="1395873"/>
+        </p:xfrm>
+        <a:graphic>
+          <a:graphicData uri="http://schemas.openxmlformats.org/presentationml/2006/ole">
+            <mc:AlternateContent xmlns:mc="http://schemas.openxmlformats.org/markup-compatibility/2006">
+              <mc:Choice xmlns:v="urn:schemas-microsoft-com:vml" Requires="v">
+                <p:oleObj name="Graph" r:id="rId4" imgW="9802184" imgH="7502368" progId="Origin95.Graph">
+                  <p:embed/>
+                </p:oleObj>
+              </mc:Choice>
+              <mc:Fallback>
+                <p:oleObj name="Graph" r:id="rId4" imgW="9802184" imgH="7502368" progId="Origin95.Graph">
+                  <p:embed/>
+                  <p:pic>
+                    <p:nvPicPr>
+                      <p:cNvPr id="7" name="对象 6">
+                        <a:extLst>
+                          <a:ext uri="{FF2B5EF4-FFF2-40B4-BE49-F238E27FC236}">
+                            <a16:creationId xmlns:a16="http://schemas.microsoft.com/office/drawing/2014/main" id="{6E2953AA-FB15-45CD-5C03-24A1D79A61EF}"/>
+                          </a:ext>
+                        </a:extLst>
+                      </p:cNvPr>
+                      <p:cNvPicPr/>
+                      <p:nvPr/>
+                    </p:nvPicPr>
+                    <p:blipFill>
+                      <a:blip r:embed="rId5"/>
+                      <a:stretch>
+                        <a:fillRect/>
+                      </a:stretch>
+                    </p:blipFill>
+                    <p:spPr>
+                      <a:xfrm>
+                        <a:off x="10535194" y="2322504"/>
+                        <a:ext cx="1821996" cy="1395873"/>
+                      </a:xfrm>
+                      <a:prstGeom prst="rect">
+                        <a:avLst/>
+                      </a:prstGeom>
+                    </p:spPr>
+                  </p:pic>
+                </p:oleObj>
+              </mc:Fallback>
+            </mc:AlternateContent>
+          </a:graphicData>
+        </a:graphic>
+      </p:graphicFrame>
+      <p:graphicFrame>
+        <p:nvGraphicFramePr>
+          <p:cNvPr id="8" name="对象 7">
+            <a:extLst>
+              <a:ext uri="{FF2B5EF4-FFF2-40B4-BE49-F238E27FC236}">
+                <a16:creationId xmlns:a16="http://schemas.microsoft.com/office/drawing/2014/main" id="{7CF1A10A-C680-2508-2DD6-1FE4F6BB1855}"/>
+              </a:ext>
+            </a:extLst>
+          </p:cNvPr>
+          <p:cNvGraphicFramePr>
+            <a:graphicFrameLocks noChangeAspect="1"/>
+          </p:cNvGraphicFramePr>
+          <p:nvPr/>
+        </p:nvGraphicFramePr>
+        <p:xfrm>
+          <a:off x="10643658" y="3646882"/>
+          <a:ext cx="1630937" cy="1249498"/>
+        </p:xfrm>
+        <a:graphic>
+          <a:graphicData uri="http://schemas.openxmlformats.org/presentationml/2006/ole">
+            <mc:AlternateContent xmlns:mc="http://schemas.openxmlformats.org/markup-compatibility/2006">
+              <mc:Choice xmlns:v="urn:schemas-microsoft-com:vml" Requires="v">
+                <p:oleObj name="Graph" r:id="rId6" imgW="9802184" imgH="7502368" progId="Origin95.Graph">
+                  <p:embed/>
+                </p:oleObj>
+              </mc:Choice>
+              <mc:Fallback>
+                <p:oleObj name="Graph" r:id="rId6" imgW="9802184" imgH="7502368" progId="Origin95.Graph">
+                  <p:embed/>
+                  <p:pic>
+                    <p:nvPicPr>
+                      <p:cNvPr id="8" name="对象 7">
+                        <a:extLst>
+                          <a:ext uri="{FF2B5EF4-FFF2-40B4-BE49-F238E27FC236}">
+                            <a16:creationId xmlns:a16="http://schemas.microsoft.com/office/drawing/2014/main" id="{7CF1A10A-C680-2508-2DD6-1FE4F6BB1855}"/>
+                          </a:ext>
+                        </a:extLst>
+                      </p:cNvPr>
+                      <p:cNvPicPr/>
+                      <p:nvPr/>
+                    </p:nvPicPr>
+                    <p:blipFill>
+                      <a:blip r:embed="rId7"/>
+                      <a:stretch>
+                        <a:fillRect/>
+                      </a:stretch>
+                    </p:blipFill>
+                    <p:spPr>
+                      <a:xfrm>
+                        <a:off x="10643658" y="3646882"/>
+                        <a:ext cx="1630937" cy="1249498"/>
+                      </a:xfrm>
+                      <a:prstGeom prst="rect">
+                        <a:avLst/>
+                      </a:prstGeom>
+                    </p:spPr>
+                  </p:pic>
+                </p:oleObj>
+              </mc:Fallback>
+            </mc:AlternateContent>
+          </a:graphicData>
+        </a:graphic>
+      </p:graphicFrame>
+    </p:spTree>
+    <p:extLst>
+      <p:ext uri="{BB962C8B-B14F-4D97-AF65-F5344CB8AC3E}">
+        <p14:creationId xmlns:p14="http://schemas.microsoft.com/office/powerpoint/2010/main" val="2606817956"/>
+      </p:ext>
+    </p:extLst>
+  </p:cSld>
+  <p:clrMapOvr>
+    <a:masterClrMapping/>
+  </p:clrMapOvr>
+</p:sld>
+</file>
+
+<file path=ppt/slides/slide5.xml><?xml version="1.0" encoding="utf-8"?>
+<p:sld xmlns:a="http://schemas.openxmlformats.org/drawingml/2006/main" xmlns:r="http://schemas.openxmlformats.org/officeDocument/2006/relationships" xmlns:p="http://schemas.openxmlformats.org/presentationml/2006/main">
+  <p:cSld>
+    <p:spTree>
+      <p:nvGrpSpPr>
+        <p:cNvPr id="1" name=""/>
+        <p:cNvGrpSpPr/>
+        <p:nvPr/>
+      </p:nvGrpSpPr>
+      <p:grpSpPr>
+        <a:xfrm>
+          <a:off x="0" y="0"/>
+          <a:ext cx="0" cy="0"/>
+          <a:chOff x="0" y="0"/>
+          <a:chExt cx="0" cy="0"/>
+        </a:xfrm>
+      </p:grpSpPr>
+      <p:graphicFrame>
+        <p:nvGraphicFramePr>
+          <p:cNvPr id="3" name="表格 2">
+            <a:extLst>
+              <a:ext uri="{FF2B5EF4-FFF2-40B4-BE49-F238E27FC236}">
+                <a16:creationId xmlns:a16="http://schemas.microsoft.com/office/drawing/2014/main" id="{30D5C74B-241E-8529-1047-2C45891B06F5}"/>
+              </a:ext>
+            </a:extLst>
+          </p:cNvPr>
+          <p:cNvGraphicFramePr>
+            <a:graphicFrameLocks noGrp="1"/>
+          </p:cNvGraphicFramePr>
           <p:nvPr>
             <p:extLst>
               <p:ext uri="{D42A27DB-BD31-4B8C-83A1-F6EECF244321}">
-                <p14:modId xmlns:p14="http://schemas.microsoft.com/office/powerpoint/2010/main" val="1995228322"/>
+                <p14:modId xmlns:p14="http://schemas.microsoft.com/office/powerpoint/2010/main" val="4290798235"/>
               </p:ext>
             </p:extLst>
           </p:nvPr>
@@ -11889,7 +13862,7 @@
                           <a:ea typeface="等线" panose="02010600030101010101" pitchFamily="2" charset="-122"/>
                           <a:cs typeface="Times New Roman" panose="02020603050405020304" pitchFamily="18" charset="0"/>
                         </a:rPr>
-                        <a:t>240924lsj</a:t>
+                        <a:t>240927010</a:t>
                       </a:r>
                       <a:endParaRPr lang="zh-CN" sz="1600" kern="100" dirty="0">
                         <a:effectLst/>
@@ -11928,18 +13901,22 @@
                     <a:p>
                       <a:pPr algn="ctr"/>
                       <a:r>
-                        <a:rPr lang="en-US" altLang="zh-CN" sz="1600" dirty="0">
-                          <a:latin typeface="Times New Roman" panose="02020603050405020304" pitchFamily="18" charset="0"/>
-                          <a:ea typeface="宋体" panose="02010600030101010101" pitchFamily="2" charset="-122"/>
-                        </a:rPr>
-                        <a:t>99% </a:t>
-                      </a:r>
-                      <a:r>
-                        <a:rPr lang="zh-CN" altLang="en-US" sz="1600" dirty="0">
-                          <a:latin typeface="Times New Roman" panose="02020603050405020304" pitchFamily="18" charset="0"/>
-                          <a:ea typeface="宋体" panose="02010600030101010101" pitchFamily="2" charset="-122"/>
+                        <a:rPr lang="zh-CN" altLang="en-US" sz="1600" kern="100" dirty="0">
+                          <a:effectLst/>
+                          <a:latin typeface="等线" panose="02010600030101010101" pitchFamily="2" charset="-122"/>
+                          <a:ea typeface="+mn-ea"/>
+                          <a:cs typeface="Times New Roman" panose="02020603050405020304" pitchFamily="18" charset="0"/>
                         </a:rPr>
                         <a:t>麦克林</a:t>
+                      </a:r>
+                      <a:r>
+                        <a:rPr lang="en-US" altLang="zh-CN" sz="1600" kern="100" dirty="0">
+                          <a:effectLst/>
+                          <a:latin typeface="等线" panose="02010600030101010101" pitchFamily="2" charset="-122"/>
+                          <a:ea typeface="+mn-ea"/>
+                          <a:cs typeface="Times New Roman" panose="02020603050405020304" pitchFamily="18" charset="0"/>
+                        </a:rPr>
+                        <a:t>-99%-2.5kg</a:t>
                       </a:r>
                       <a:endParaRPr lang="zh-CN" altLang="zh-CN" sz="1600" kern="100" dirty="0">
                         <a:effectLst/>
@@ -11978,18 +13955,22 @@
                     <a:p>
                       <a:pPr algn="ctr"/>
                       <a:r>
-                        <a:rPr lang="en-US" altLang="zh-CN" sz="1600" dirty="0">
-                          <a:latin typeface="Times New Roman" panose="02020603050405020304" pitchFamily="18" charset="0"/>
-                          <a:ea typeface="宋体" panose="02010600030101010101" pitchFamily="2" charset="-122"/>
-                        </a:rPr>
-                        <a:t>99.5% </a:t>
-                      </a:r>
-                      <a:r>
-                        <a:rPr lang="zh-CN" altLang="en-US" sz="1600" dirty="0">
-                          <a:latin typeface="Times New Roman" panose="02020603050405020304" pitchFamily="18" charset="0"/>
-                          <a:ea typeface="宋体" panose="02010600030101010101" pitchFamily="2" charset="-122"/>
+                        <a:rPr lang="zh-CN" altLang="en-US" sz="1600" kern="100" dirty="0">
+                          <a:effectLst/>
+                          <a:latin typeface="等线" panose="02010600030101010101" pitchFamily="2" charset="-122"/>
+                          <a:ea typeface="等线" panose="02010600030101010101" pitchFamily="2" charset="-122"/>
+                          <a:cs typeface="Times New Roman" panose="02020603050405020304" pitchFamily="18" charset="0"/>
                         </a:rPr>
                         <a:t>阿拉丁</a:t>
+                      </a:r>
+                      <a:r>
+                        <a:rPr lang="en-US" altLang="zh-CN" sz="1600" kern="100" dirty="0">
+                          <a:effectLst/>
+                          <a:latin typeface="等线" panose="02010600030101010101" pitchFamily="2" charset="-122"/>
+                          <a:ea typeface="等线" panose="02010600030101010101" pitchFamily="2" charset="-122"/>
+                          <a:cs typeface="Times New Roman" panose="02020603050405020304" pitchFamily="18" charset="0"/>
+                        </a:rPr>
+                        <a:t>-99.998%-10g</a:t>
                       </a:r>
                       <a:endParaRPr lang="zh-CN" sz="1600" kern="100" dirty="0">
                         <a:effectLst/>
@@ -12031,7 +14012,7 @@
                         <a:rPr lang="zh-CN" altLang="en-US" sz="1600" kern="100" dirty="0">
                           <a:effectLst/>
                           <a:latin typeface="等线" panose="02010600030101010101" pitchFamily="2" charset="-122"/>
-                          <a:ea typeface="+mn-ea"/>
+                          <a:ea typeface="等线" panose="02010600030101010101" pitchFamily="2" charset="-122"/>
                           <a:cs typeface="Times New Roman" panose="02020603050405020304" pitchFamily="18" charset="0"/>
                         </a:rPr>
                         <a:t>迈瑞尔</a:t>
@@ -12040,15 +14021,15 @@
                         <a:rPr lang="en-US" altLang="zh-CN" sz="1600" kern="100" dirty="0">
                           <a:effectLst/>
                           <a:latin typeface="等线" panose="02010600030101010101" pitchFamily="2" charset="-122"/>
-                          <a:ea typeface="+mn-ea"/>
-                          <a:cs typeface="Times New Roman" panose="02020603050405020304" pitchFamily="18" charset="0"/>
-                        </a:rPr>
-                        <a:t> -500ml-57%</a:t>
-                      </a:r>
-                      <a:endParaRPr lang="zh-CN" altLang="zh-CN" sz="1600" kern="100" dirty="0">
-                        <a:effectLst/>
-                        <a:latin typeface="等线" panose="02010600030101010101" pitchFamily="2" charset="-122"/>
-                        <a:ea typeface="+mn-ea"/>
+                          <a:ea typeface="等线" panose="02010600030101010101" pitchFamily="2" charset="-122"/>
+                          <a:cs typeface="Times New Roman" panose="02020603050405020304" pitchFamily="18" charset="0"/>
+                        </a:rPr>
+                        <a:t>-57%-500ml</a:t>
+                      </a:r>
+                      <a:endParaRPr lang="zh-CN" sz="1600" kern="100" dirty="0">
+                        <a:effectLst/>
+                        <a:latin typeface="等线" panose="02010600030101010101" pitchFamily="2" charset="-122"/>
+                        <a:ea typeface="等线" panose="02010600030101010101" pitchFamily="2" charset="-122"/>
                         <a:cs typeface="Times New Roman" panose="02020603050405020304" pitchFamily="18" charset="0"/>
                       </a:endParaRPr>
                     </a:p>
@@ -12082,54 +14063,54 @@
                     <a:p>
                       <a:pPr algn="ctr"/>
                       <a:r>
-                        <a:rPr lang="en-US" sz="1600" kern="100" dirty="0">
-                          <a:effectLst/>
-                          <a:latin typeface="等线" panose="02010600030101010101" pitchFamily="2" charset="-122"/>
-                          <a:ea typeface="等线" panose="02010600030101010101" pitchFamily="2" charset="-122"/>
-                          <a:cs typeface="Times New Roman" panose="02020603050405020304" pitchFamily="18" charset="0"/>
-                        </a:rPr>
-                        <a:t>1.5</a:t>
-                      </a:r>
-                      <a:r>
-                        <a:rPr lang="zh-CN" sz="1600" kern="100" dirty="0">
-                          <a:effectLst/>
-                          <a:latin typeface="等线" panose="02010600030101010101" pitchFamily="2" charset="-122"/>
-                          <a:ea typeface="等线" panose="02010600030101010101" pitchFamily="2" charset="-122"/>
+                        <a:rPr lang="en-US" altLang="zh-CN" sz="1600" kern="100" dirty="0">
+                          <a:effectLst/>
+                          <a:latin typeface="等线" panose="02010600030101010101" pitchFamily="2" charset="-122"/>
+                          <a:ea typeface="+mn-ea"/>
+                          <a:cs typeface="Times New Roman" panose="02020603050405020304" pitchFamily="18" charset="0"/>
+                        </a:rPr>
+                        <a:t>1.2</a:t>
+                      </a:r>
+                      <a:r>
+                        <a:rPr lang="zh-CN" altLang="en-US" sz="1600" kern="100" dirty="0">
+                          <a:effectLst/>
+                          <a:latin typeface="等线" panose="02010600030101010101" pitchFamily="2" charset="-122"/>
+                          <a:ea typeface="+mn-ea"/>
                           <a:cs typeface="Times New Roman" panose="02020603050405020304" pitchFamily="18" charset="0"/>
                         </a:rPr>
                         <a:t>：</a:t>
                       </a:r>
                       <a:r>
-                        <a:rPr lang="en-US" sz="1600" kern="100" dirty="0">
-                          <a:effectLst/>
-                          <a:latin typeface="等线" panose="02010600030101010101" pitchFamily="2" charset="-122"/>
-                          <a:ea typeface="等线" panose="02010600030101010101" pitchFamily="2" charset="-122"/>
+                        <a:rPr lang="en-US" altLang="zh-CN" sz="1600" kern="100" dirty="0">
+                          <a:effectLst/>
+                          <a:latin typeface="等线" panose="02010600030101010101" pitchFamily="2" charset="-122"/>
+                          <a:ea typeface="+mn-ea"/>
                           <a:cs typeface="Times New Roman" panose="02020603050405020304" pitchFamily="18" charset="0"/>
                         </a:rPr>
                         <a:t>1</a:t>
                       </a:r>
                       <a:r>
-                        <a:rPr lang="zh-CN" sz="1600" kern="100" dirty="0">
-                          <a:effectLst/>
-                          <a:latin typeface="等线" panose="02010600030101010101" pitchFamily="2" charset="-122"/>
-                          <a:ea typeface="等线" panose="02010600030101010101" pitchFamily="2" charset="-122"/>
+                        <a:rPr lang="zh-CN" altLang="en-US" sz="1600" kern="100" dirty="0">
+                          <a:effectLst/>
+                          <a:latin typeface="等线" panose="02010600030101010101" pitchFamily="2" charset="-122"/>
+                          <a:ea typeface="+mn-ea"/>
                           <a:cs typeface="Times New Roman" panose="02020603050405020304" pitchFamily="18" charset="0"/>
                         </a:rPr>
                         <a:t>：</a:t>
                       </a:r>
                       <a:r>
-                        <a:rPr lang="en-US" sz="1600" kern="100" dirty="0">
-                          <a:effectLst/>
-                          <a:latin typeface="等线" panose="02010600030101010101" pitchFamily="2" charset="-122"/>
-                          <a:ea typeface="等线" panose="02010600030101010101" pitchFamily="2" charset="-122"/>
-                          <a:cs typeface="Times New Roman" panose="02020603050405020304" pitchFamily="18" charset="0"/>
-                        </a:rPr>
-                        <a:t>5</a:t>
-                      </a:r>
-                      <a:endParaRPr lang="zh-CN" sz="1600" kern="100" dirty="0">
-                        <a:effectLst/>
-                        <a:latin typeface="等线" panose="02010600030101010101" pitchFamily="2" charset="-122"/>
-                        <a:ea typeface="等线" panose="02010600030101010101" pitchFamily="2" charset="-122"/>
+                        <a:rPr lang="en-US" altLang="zh-CN" sz="1600" kern="100" dirty="0">
+                          <a:effectLst/>
+                          <a:latin typeface="等线" panose="02010600030101010101" pitchFamily="2" charset="-122"/>
+                          <a:ea typeface="+mn-ea"/>
+                          <a:cs typeface="Times New Roman" panose="02020603050405020304" pitchFamily="18" charset="0"/>
+                        </a:rPr>
+                        <a:t>16.6</a:t>
+                      </a:r>
+                      <a:endParaRPr lang="zh-CN" altLang="zh-CN" sz="1600" kern="100" dirty="0">
+                        <a:effectLst/>
+                        <a:latin typeface="等线" panose="02010600030101010101" pitchFamily="2" charset="-122"/>
+                        <a:ea typeface="+mn-ea"/>
                         <a:cs typeface="Times New Roman" panose="02020603050405020304" pitchFamily="18" charset="0"/>
                       </a:endParaRPr>
                     </a:p>
@@ -12169,7 +14150,7 @@
                           <a:ea typeface="+mn-ea"/>
                           <a:cs typeface="Times New Roman" panose="02020603050405020304" pitchFamily="18" charset="0"/>
                         </a:rPr>
-                        <a:t>冰浴</a:t>
+                        <a:t>常温</a:t>
                       </a:r>
                       <a:endParaRPr lang="zh-CN" sz="1600" kern="100" dirty="0">
                         <a:effectLst/>
@@ -12301,15 +14282,6 @@
                         <a:buNone/>
                         <a:defRPr/>
                       </a:pPr>
-                      <a:r>
-                        <a:rPr lang="en-US" altLang="zh-CN" sz="1600" kern="100" dirty="0">
-                          <a:effectLst/>
-                          <a:latin typeface="等线" panose="02010600030101010101" pitchFamily="2" charset="-122"/>
-                          <a:ea typeface="+mn-ea"/>
-                          <a:cs typeface="Times New Roman" panose="02020603050405020304" pitchFamily="18" charset="0"/>
-                        </a:rPr>
-                        <a:t>240924-1-yyl</a:t>
-                      </a:r>
                       <a:endParaRPr lang="zh-CN" sz="1600" kern="100" dirty="0">
                         <a:effectLst/>
                         <a:latin typeface="等线" panose="02010600030101010101" pitchFamily="2" charset="-122"/>
@@ -12340,24 +14312,6 @@
                     <a:lstStyle/>
                     <a:p>
                       <a:pPr algn="ctr"/>
-                      <a:r>
-                        <a:rPr lang="zh-CN" altLang="en-US" sz="1600" kern="100" dirty="0">
-                          <a:effectLst/>
-                          <a:latin typeface="等线" panose="02010600030101010101" pitchFamily="2" charset="-122"/>
-                          <a:ea typeface="+mn-ea"/>
-                          <a:cs typeface="Times New Roman" panose="02020603050405020304" pitchFamily="18" charset="0"/>
-                        </a:rPr>
-                        <a:t>麦克林</a:t>
-                      </a:r>
-                      <a:r>
-                        <a:rPr lang="en-US" altLang="zh-CN" sz="1600" kern="100" dirty="0">
-                          <a:effectLst/>
-                          <a:latin typeface="等线" panose="02010600030101010101" pitchFamily="2" charset="-122"/>
-                          <a:ea typeface="+mn-ea"/>
-                          <a:cs typeface="Times New Roman" panose="02020603050405020304" pitchFamily="18" charset="0"/>
-                        </a:rPr>
-                        <a:t>-99%</a:t>
-                      </a:r>
                       <a:endParaRPr lang="zh-CN" altLang="zh-CN" sz="1600" kern="100" dirty="0">
                         <a:effectLst/>
                         <a:latin typeface="等线" panose="02010600030101010101" pitchFamily="2" charset="-122"/>
@@ -12388,24 +14342,6 @@
                     <a:lstStyle/>
                     <a:p>
                       <a:pPr algn="ctr"/>
-                      <a:r>
-                        <a:rPr lang="zh-CN" altLang="en-US" sz="1600" kern="100" dirty="0">
-                          <a:effectLst/>
-                          <a:latin typeface="等线" panose="02010600030101010101" pitchFamily="2" charset="-122"/>
-                          <a:ea typeface="等线" panose="02010600030101010101" pitchFamily="2" charset="-122"/>
-                          <a:cs typeface="Times New Roman" panose="02020603050405020304" pitchFamily="18" charset="0"/>
-                        </a:rPr>
-                        <a:t>阿拉丁</a:t>
-                      </a:r>
-                      <a:r>
-                        <a:rPr lang="en-US" altLang="zh-CN" sz="1600" kern="100" dirty="0">
-                          <a:effectLst/>
-                          <a:latin typeface="等线" panose="02010600030101010101" pitchFamily="2" charset="-122"/>
-                          <a:ea typeface="等线" panose="02010600030101010101" pitchFamily="2" charset="-122"/>
-                          <a:cs typeface="Times New Roman" panose="02020603050405020304" pitchFamily="18" charset="0"/>
-                        </a:rPr>
-                        <a:t>-99.5%</a:t>
-                      </a:r>
                       <a:endParaRPr lang="zh-CN" sz="1600" kern="100" dirty="0">
                         <a:effectLst/>
                         <a:latin typeface="等线" panose="02010600030101010101" pitchFamily="2" charset="-122"/>
@@ -12436,24 +14372,6 @@
                     <a:lstStyle/>
                     <a:p>
                       <a:pPr algn="ctr"/>
-                      <a:r>
-                        <a:rPr lang="zh-CN" altLang="en-US" sz="1600" kern="100" dirty="0">
-                          <a:effectLst/>
-                          <a:latin typeface="等线" panose="02010600030101010101" pitchFamily="2" charset="-122"/>
-                          <a:ea typeface="等线" panose="02010600030101010101" pitchFamily="2" charset="-122"/>
-                          <a:cs typeface="Times New Roman" panose="02020603050405020304" pitchFamily="18" charset="0"/>
-                        </a:rPr>
-                        <a:t>迈瑞尔</a:t>
-                      </a:r>
-                      <a:r>
-                        <a:rPr lang="en-US" altLang="zh-CN" sz="1600" kern="100" dirty="0">
-                          <a:effectLst/>
-                          <a:latin typeface="等线" panose="02010600030101010101" pitchFamily="2" charset="-122"/>
-                          <a:ea typeface="等线" panose="02010600030101010101" pitchFamily="2" charset="-122"/>
-                          <a:cs typeface="Times New Roman" panose="02020603050405020304" pitchFamily="18" charset="0"/>
-                        </a:rPr>
-                        <a:t>-57%</a:t>
-                      </a:r>
                       <a:endParaRPr lang="zh-CN" sz="1600" kern="100" dirty="0">
                         <a:effectLst/>
                         <a:latin typeface="等线" panose="02010600030101010101" pitchFamily="2" charset="-122"/>
@@ -12484,51 +14402,6 @@
                     <a:lstStyle/>
                     <a:p>
                       <a:pPr algn="ctr"/>
-                      <a:r>
-                        <a:rPr lang="en-US" sz="1600" kern="100" dirty="0">
-                          <a:effectLst/>
-                          <a:latin typeface="等线" panose="02010600030101010101" pitchFamily="2" charset="-122"/>
-                          <a:ea typeface="等线" panose="02010600030101010101" pitchFamily="2" charset="-122"/>
-                          <a:cs typeface="Times New Roman" panose="02020603050405020304" pitchFamily="18" charset="0"/>
-                        </a:rPr>
-                        <a:t>1.2</a:t>
-                      </a:r>
-                      <a:r>
-                        <a:rPr lang="zh-CN" altLang="en-US" sz="1600" kern="100" dirty="0">
-                          <a:effectLst/>
-                          <a:latin typeface="等线" panose="02010600030101010101" pitchFamily="2" charset="-122"/>
-                          <a:ea typeface="等线" panose="02010600030101010101" pitchFamily="2" charset="-122"/>
-                          <a:cs typeface="Times New Roman" panose="02020603050405020304" pitchFamily="18" charset="0"/>
-                        </a:rPr>
-                        <a:t>：</a:t>
-                      </a:r>
-                      <a:r>
-                        <a:rPr lang="en-US" altLang="zh-CN" sz="1600" kern="100" dirty="0">
-                          <a:effectLst/>
-                          <a:latin typeface="等线" panose="02010600030101010101" pitchFamily="2" charset="-122"/>
-                          <a:ea typeface="等线" panose="02010600030101010101" pitchFamily="2" charset="-122"/>
-                          <a:cs typeface="Times New Roman" panose="02020603050405020304" pitchFamily="18" charset="0"/>
-                        </a:rPr>
-                        <a:t>1</a:t>
-                      </a:r>
-                      <a:r>
-                        <a:rPr lang="zh-CN" altLang="en-US" sz="1600" kern="100" dirty="0">
-                          <a:effectLst/>
-                          <a:latin typeface="等线" panose="02010600030101010101" pitchFamily="2" charset="-122"/>
-                          <a:ea typeface="等线" panose="02010600030101010101" pitchFamily="2" charset="-122"/>
-                          <a:cs typeface="Times New Roman" panose="02020603050405020304" pitchFamily="18" charset="0"/>
-                        </a:rPr>
-                        <a:t>：</a:t>
-                      </a:r>
-                      <a:r>
-                        <a:rPr lang="en-US" altLang="zh-CN" sz="1600" kern="100" dirty="0">
-                          <a:effectLst/>
-                          <a:latin typeface="等线" panose="02010600030101010101" pitchFamily="2" charset="-122"/>
-                          <a:ea typeface="等线" panose="02010600030101010101" pitchFamily="2" charset="-122"/>
-                          <a:cs typeface="Times New Roman" panose="02020603050405020304" pitchFamily="18" charset="0"/>
-                        </a:rPr>
-                        <a:t>16.6</a:t>
-                      </a:r>
                       <a:endParaRPr lang="zh-CN" sz="1600" kern="100" dirty="0">
                         <a:effectLst/>
                         <a:latin typeface="等线" panose="02010600030101010101" pitchFamily="2" charset="-122"/>
@@ -12574,42 +14447,6 @@
                         <a:buNone/>
                         <a:defRPr/>
                       </a:pPr>
-                      <a:r>
-                        <a:rPr lang="en-US" altLang="zh-CN" sz="1600" kern="100" dirty="0" err="1">
-                          <a:effectLst/>
-                          <a:latin typeface="等线" panose="02010600030101010101" pitchFamily="2" charset="-122"/>
-                          <a:ea typeface="+mn-ea"/>
-                          <a:cs typeface="Times New Roman" panose="02020603050405020304" pitchFamily="18" charset="0"/>
-                        </a:rPr>
-                        <a:t>Faac</a:t>
-                      </a:r>
-                      <a:r>
-                        <a:rPr lang="zh-CN" altLang="en-US" sz="1600" kern="100" dirty="0">
-                          <a:effectLst/>
-                          <a:latin typeface="等线" panose="02010600030101010101" pitchFamily="2" charset="-122"/>
-                          <a:ea typeface="+mn-ea"/>
-                          <a:cs typeface="Times New Roman" panose="02020603050405020304" pitchFamily="18" charset="0"/>
-                        </a:rPr>
-                        <a:t>投料前 冰浴</a:t>
-                      </a:r>
-                      <a:endParaRPr lang="zh-CN" altLang="zh-CN" sz="1600" kern="100" dirty="0">
-                        <a:effectLst/>
-                        <a:latin typeface="等线" panose="02010600030101010101" pitchFamily="2" charset="-122"/>
-                        <a:ea typeface="+mn-ea"/>
-                        <a:cs typeface="Times New Roman" panose="02020603050405020304" pitchFamily="18" charset="0"/>
-                      </a:endParaRPr>
-                    </a:p>
-                    <a:p>
-                      <a:pPr algn="ctr"/>
-                      <a:r>
-                        <a:rPr lang="en-US" sz="1600" kern="100" dirty="0">
-                          <a:effectLst/>
-                          <a:latin typeface="等线" panose="02010600030101010101" pitchFamily="2" charset="-122"/>
-                          <a:ea typeface="等线" panose="02010600030101010101" pitchFamily="2" charset="-122"/>
-                          <a:cs typeface="Times New Roman" panose="02020603050405020304" pitchFamily="18" charset="0"/>
-                        </a:rPr>
-                        <a:t> </a:t>
-                      </a:r>
                       <a:endParaRPr lang="zh-CN" sz="1600" kern="100" dirty="0">
                         <a:effectLst/>
                         <a:latin typeface="等线" panose="02010600030101010101" pitchFamily="2" charset="-122"/>
@@ -12722,15 +14559,6 @@
                         <a:buNone/>
                         <a:defRPr/>
                       </a:pPr>
-                      <a:r>
-                        <a:rPr lang="en-US" altLang="zh-CN" sz="1600" kern="100" dirty="0">
-                          <a:effectLst/>
-                          <a:latin typeface="等线" panose="02010600030101010101" pitchFamily="2" charset="-122"/>
-                          <a:ea typeface="+mn-ea"/>
-                          <a:cs typeface="Times New Roman" panose="02020603050405020304" pitchFamily="18" charset="0"/>
-                        </a:rPr>
-                        <a:t>240924-2-yyl</a:t>
-                      </a:r>
                       <a:endParaRPr lang="zh-CN" sz="1600" kern="100" dirty="0">
                         <a:effectLst/>
                         <a:latin typeface="等线" panose="02010600030101010101" pitchFamily="2" charset="-122"/>
@@ -12761,24 +14589,6 @@
                     <a:lstStyle/>
                     <a:p>
                       <a:pPr algn="ctr"/>
-                      <a:r>
-                        <a:rPr lang="zh-CN" altLang="en-US" sz="1600" kern="100" dirty="0">
-                          <a:effectLst/>
-                          <a:latin typeface="等线" panose="02010600030101010101" pitchFamily="2" charset="-122"/>
-                          <a:ea typeface="+mn-ea"/>
-                          <a:cs typeface="Times New Roman" panose="02020603050405020304" pitchFamily="18" charset="0"/>
-                        </a:rPr>
-                        <a:t>麦克林</a:t>
-                      </a:r>
-                      <a:r>
-                        <a:rPr lang="en-US" altLang="zh-CN" sz="1600" kern="100" dirty="0">
-                          <a:effectLst/>
-                          <a:latin typeface="等线" panose="02010600030101010101" pitchFamily="2" charset="-122"/>
-                          <a:ea typeface="+mn-ea"/>
-                          <a:cs typeface="Times New Roman" panose="02020603050405020304" pitchFamily="18" charset="0"/>
-                        </a:rPr>
-                        <a:t>-99%</a:t>
-                      </a:r>
                       <a:endParaRPr lang="zh-CN" altLang="zh-CN" sz="1600" kern="100" dirty="0">
                         <a:effectLst/>
                         <a:latin typeface="等线" panose="02010600030101010101" pitchFamily="2" charset="-122"/>
@@ -12809,24 +14619,6 @@
                     <a:lstStyle/>
                     <a:p>
                       <a:pPr algn="ctr"/>
-                      <a:r>
-                        <a:rPr lang="zh-CN" altLang="en-US" sz="1600" kern="100" dirty="0">
-                          <a:effectLst/>
-                          <a:latin typeface="等线" panose="02010600030101010101" pitchFamily="2" charset="-122"/>
-                          <a:ea typeface="等线" panose="02010600030101010101" pitchFamily="2" charset="-122"/>
-                          <a:cs typeface="Times New Roman" panose="02020603050405020304" pitchFamily="18" charset="0"/>
-                        </a:rPr>
-                        <a:t>阿拉丁</a:t>
-                      </a:r>
-                      <a:r>
-                        <a:rPr lang="en-US" altLang="zh-CN" sz="1600" kern="100" dirty="0">
-                          <a:effectLst/>
-                          <a:latin typeface="等线" panose="02010600030101010101" pitchFamily="2" charset="-122"/>
-                          <a:ea typeface="等线" panose="02010600030101010101" pitchFamily="2" charset="-122"/>
-                          <a:cs typeface="Times New Roman" panose="02020603050405020304" pitchFamily="18" charset="0"/>
-                        </a:rPr>
-                        <a:t>-99.5%</a:t>
-                      </a:r>
                       <a:endParaRPr lang="zh-CN" sz="1600" kern="100" dirty="0">
                         <a:effectLst/>
                         <a:latin typeface="等线" panose="02010600030101010101" pitchFamily="2" charset="-122"/>
@@ -12857,24 +14649,6 @@
                     <a:lstStyle/>
                     <a:p>
                       <a:pPr algn="ctr"/>
-                      <a:r>
-                        <a:rPr lang="zh-CN" altLang="en-US" sz="1600" kern="100" dirty="0">
-                          <a:effectLst/>
-                          <a:latin typeface="等线" panose="02010600030101010101" pitchFamily="2" charset="-122"/>
-                          <a:ea typeface="+mn-ea"/>
-                          <a:cs typeface="Times New Roman" panose="02020603050405020304" pitchFamily="18" charset="0"/>
-                        </a:rPr>
-                        <a:t>阿拉丁</a:t>
-                      </a:r>
-                      <a:r>
-                        <a:rPr lang="en-US" altLang="zh-CN" sz="1600" kern="100" dirty="0">
-                          <a:effectLst/>
-                          <a:latin typeface="等线" panose="02010600030101010101" pitchFamily="2" charset="-122"/>
-                          <a:ea typeface="+mn-ea"/>
-                          <a:cs typeface="Times New Roman" panose="02020603050405020304" pitchFamily="18" charset="0"/>
-                        </a:rPr>
-                        <a:t>-2.5kg-47%</a:t>
-                      </a:r>
                       <a:endParaRPr lang="zh-CN" altLang="zh-CN" sz="1600" kern="100" dirty="0">
                         <a:effectLst/>
                         <a:latin typeface="等线" panose="02010600030101010101" pitchFamily="2" charset="-122"/>
@@ -12905,51 +14679,6 @@
                     <a:lstStyle/>
                     <a:p>
                       <a:pPr algn="ctr"/>
-                      <a:r>
-                        <a:rPr lang="en-US" sz="1600" kern="100" dirty="0">
-                          <a:effectLst/>
-                          <a:latin typeface="等线" panose="02010600030101010101" pitchFamily="2" charset="-122"/>
-                          <a:ea typeface="等线" panose="02010600030101010101" pitchFamily="2" charset="-122"/>
-                          <a:cs typeface="Times New Roman" panose="02020603050405020304" pitchFamily="18" charset="0"/>
-                        </a:rPr>
-                        <a:t>1.2</a:t>
-                      </a:r>
-                      <a:r>
-                        <a:rPr lang="zh-CN" altLang="en-US" sz="1600" kern="100" dirty="0">
-                          <a:effectLst/>
-                          <a:latin typeface="等线" panose="02010600030101010101" pitchFamily="2" charset="-122"/>
-                          <a:ea typeface="等线" panose="02010600030101010101" pitchFamily="2" charset="-122"/>
-                          <a:cs typeface="Times New Roman" panose="02020603050405020304" pitchFamily="18" charset="0"/>
-                        </a:rPr>
-                        <a:t>：</a:t>
-                      </a:r>
-                      <a:r>
-                        <a:rPr lang="en-US" altLang="zh-CN" sz="1600" kern="100" dirty="0">
-                          <a:effectLst/>
-                          <a:latin typeface="等线" panose="02010600030101010101" pitchFamily="2" charset="-122"/>
-                          <a:ea typeface="等线" panose="02010600030101010101" pitchFamily="2" charset="-122"/>
-                          <a:cs typeface="Times New Roman" panose="02020603050405020304" pitchFamily="18" charset="0"/>
-                        </a:rPr>
-                        <a:t>1</a:t>
-                      </a:r>
-                      <a:r>
-                        <a:rPr lang="zh-CN" altLang="en-US" sz="1600" kern="100" dirty="0">
-                          <a:effectLst/>
-                          <a:latin typeface="等线" panose="02010600030101010101" pitchFamily="2" charset="-122"/>
-                          <a:ea typeface="等线" panose="02010600030101010101" pitchFamily="2" charset="-122"/>
-                          <a:cs typeface="Times New Roman" panose="02020603050405020304" pitchFamily="18" charset="0"/>
-                        </a:rPr>
-                        <a:t>：</a:t>
-                      </a:r>
-                      <a:r>
-                        <a:rPr lang="en-US" altLang="zh-CN" sz="1600" kern="100" dirty="0">
-                          <a:effectLst/>
-                          <a:latin typeface="等线" panose="02010600030101010101" pitchFamily="2" charset="-122"/>
-                          <a:ea typeface="等线" panose="02010600030101010101" pitchFamily="2" charset="-122"/>
-                          <a:cs typeface="Times New Roman" panose="02020603050405020304" pitchFamily="18" charset="0"/>
-                        </a:rPr>
-                        <a:t>13.61</a:t>
-                      </a:r>
                       <a:endParaRPr lang="zh-CN" sz="1600" kern="100" dirty="0">
                         <a:effectLst/>
                         <a:latin typeface="等线" panose="02010600030101010101" pitchFamily="2" charset="-122"/>
@@ -12995,42 +14724,6 @@
                         <a:buNone/>
                         <a:defRPr/>
                       </a:pPr>
-                      <a:r>
-                        <a:rPr lang="en-US" altLang="zh-CN" sz="1600" kern="100" dirty="0" err="1">
-                          <a:effectLst/>
-                          <a:latin typeface="等线" panose="02010600030101010101" pitchFamily="2" charset="-122"/>
-                          <a:ea typeface="+mn-ea"/>
-                          <a:cs typeface="Times New Roman" panose="02020603050405020304" pitchFamily="18" charset="0"/>
-                        </a:rPr>
-                        <a:t>Faac</a:t>
-                      </a:r>
-                      <a:r>
-                        <a:rPr lang="zh-CN" altLang="en-US" sz="1600" kern="100" dirty="0">
-                          <a:effectLst/>
-                          <a:latin typeface="等线" panose="02010600030101010101" pitchFamily="2" charset="-122"/>
-                          <a:ea typeface="+mn-ea"/>
-                          <a:cs typeface="Times New Roman" panose="02020603050405020304" pitchFamily="18" charset="0"/>
-                        </a:rPr>
-                        <a:t>投料前 冰浴</a:t>
-                      </a:r>
-                      <a:endParaRPr lang="zh-CN" altLang="zh-CN" sz="1600" kern="100" dirty="0">
-                        <a:effectLst/>
-                        <a:latin typeface="等线" panose="02010600030101010101" pitchFamily="2" charset="-122"/>
-                        <a:ea typeface="+mn-ea"/>
-                        <a:cs typeface="Times New Roman" panose="02020603050405020304" pitchFamily="18" charset="0"/>
-                      </a:endParaRPr>
-                    </a:p>
-                    <a:p>
-                      <a:pPr algn="ctr"/>
-                      <a:r>
-                        <a:rPr lang="en-US" sz="1600" kern="100" dirty="0">
-                          <a:effectLst/>
-                          <a:latin typeface="等线" panose="02010600030101010101" pitchFamily="2" charset="-122"/>
-                          <a:ea typeface="等线" panose="02010600030101010101" pitchFamily="2" charset="-122"/>
-                          <a:cs typeface="Times New Roman" panose="02020603050405020304" pitchFamily="18" charset="0"/>
-                        </a:rPr>
-                        <a:t> </a:t>
-                      </a:r>
                       <a:endParaRPr lang="zh-CN" sz="1600" kern="100" dirty="0">
                         <a:effectLst/>
                         <a:latin typeface="等线" panose="02010600030101010101" pitchFamily="2" charset="-122"/>
@@ -13125,205 +14818,10 @@
           </a:graphicData>
         </a:graphic>
       </p:graphicFrame>
-      <p:graphicFrame>
-        <p:nvGraphicFramePr>
-          <p:cNvPr id="4" name="对象 3">
-            <a:extLst>
-              <a:ext uri="{FF2B5EF4-FFF2-40B4-BE49-F238E27FC236}">
-                <a16:creationId xmlns:a16="http://schemas.microsoft.com/office/drawing/2014/main" id="{291B2968-03BF-4B52-454A-7BF58FCBA0B1}"/>
-              </a:ext>
-            </a:extLst>
-          </p:cNvPr>
-          <p:cNvGraphicFramePr>
-            <a:graphicFrameLocks noChangeAspect="1"/>
-          </p:cNvGraphicFramePr>
-          <p:nvPr>
-            <p:extLst>
-              <p:ext uri="{D42A27DB-BD31-4B8C-83A1-F6EECF244321}">
-                <p14:modId xmlns:p14="http://schemas.microsoft.com/office/powerpoint/2010/main" val="4083440096"/>
-              </p:ext>
-            </p:extLst>
-          </p:nvPr>
-        </p:nvGraphicFramePr>
-        <p:xfrm>
-          <a:off x="10744201" y="1139766"/>
-          <a:ext cx="1296430" cy="995597"/>
-        </p:xfrm>
-        <a:graphic>
-          <a:graphicData uri="http://schemas.openxmlformats.org/presentationml/2006/ole">
-            <mc:AlternateContent xmlns:mc="http://schemas.openxmlformats.org/markup-compatibility/2006">
-              <mc:Choice xmlns:v="urn:schemas-microsoft-com:vml" Requires="v">
-                <p:oleObj name="Graph" r:id="rId2" imgW="3250080" imgH="2494800" progId="Origin95.Graph">
-                  <p:embed/>
-                </p:oleObj>
-              </mc:Choice>
-              <mc:Fallback>
-                <p:oleObj name="Graph" r:id="rId2" imgW="3250080" imgH="2494800" progId="Origin95.Graph">
-                  <p:embed/>
-                  <p:pic>
-                    <p:nvPicPr>
-                      <p:cNvPr id="4" name="对象 3">
-                        <a:extLst>
-                          <a:ext uri="{FF2B5EF4-FFF2-40B4-BE49-F238E27FC236}">
-                            <a16:creationId xmlns:a16="http://schemas.microsoft.com/office/drawing/2014/main" id="{F31AC8CC-54DA-4796-88EE-D06F2445E6F6}"/>
-                          </a:ext>
-                        </a:extLst>
-                      </p:cNvPr>
-                      <p:cNvPicPr/>
-                      <p:nvPr/>
-                    </p:nvPicPr>
-                    <p:blipFill>
-                      <a:blip r:embed="rId3"/>
-                      <a:stretch>
-                        <a:fillRect/>
-                      </a:stretch>
-                    </p:blipFill>
-                    <p:spPr>
-                      <a:xfrm>
-                        <a:off x="10744201" y="1139766"/>
-                        <a:ext cx="1296430" cy="995597"/>
-                      </a:xfrm>
-                      <a:prstGeom prst="rect">
-                        <a:avLst/>
-                      </a:prstGeom>
-                    </p:spPr>
-                  </p:pic>
-                </p:oleObj>
-              </mc:Fallback>
-            </mc:AlternateContent>
-          </a:graphicData>
-        </a:graphic>
-      </p:graphicFrame>
-      <p:graphicFrame>
-        <p:nvGraphicFramePr>
-          <p:cNvPr id="7" name="对象 6">
-            <a:extLst>
-              <a:ext uri="{FF2B5EF4-FFF2-40B4-BE49-F238E27FC236}">
-                <a16:creationId xmlns:a16="http://schemas.microsoft.com/office/drawing/2014/main" id="{6E2953AA-FB15-45CD-5C03-24A1D79A61EF}"/>
-              </a:ext>
-            </a:extLst>
-          </p:cNvPr>
-          <p:cNvGraphicFramePr>
-            <a:graphicFrameLocks noChangeAspect="1"/>
-          </p:cNvGraphicFramePr>
-          <p:nvPr>
-            <p:extLst>
-              <p:ext uri="{D42A27DB-BD31-4B8C-83A1-F6EECF244321}">
-                <p14:modId xmlns:p14="http://schemas.microsoft.com/office/powerpoint/2010/main" val="1954863010"/>
-              </p:ext>
-            </p:extLst>
-          </p:nvPr>
-        </p:nvGraphicFramePr>
-        <p:xfrm>
-          <a:off x="10535194" y="2322504"/>
-          <a:ext cx="1821996" cy="1395873"/>
-        </p:xfrm>
-        <a:graphic>
-          <a:graphicData uri="http://schemas.openxmlformats.org/presentationml/2006/ole">
-            <mc:AlternateContent xmlns:mc="http://schemas.openxmlformats.org/markup-compatibility/2006">
-              <mc:Choice xmlns:v="urn:schemas-microsoft-com:vml" Requires="v">
-                <p:oleObj name="Graph" r:id="rId4" imgW="9802184" imgH="7502368" progId="Origin95.Graph">
-                  <p:embed/>
-                </p:oleObj>
-              </mc:Choice>
-              <mc:Fallback>
-                <p:oleObj name="Graph" r:id="rId4" imgW="9802184" imgH="7502368" progId="Origin95.Graph">
-                  <p:embed/>
-                  <p:pic>
-                    <p:nvPicPr>
-                      <p:cNvPr id="0" name=""/>
-                      <p:cNvPicPr/>
-                      <p:nvPr/>
-                    </p:nvPicPr>
-                    <p:blipFill>
-                      <a:blip r:embed="rId5"/>
-                      <a:stretch>
-                        <a:fillRect/>
-                      </a:stretch>
-                    </p:blipFill>
-                    <p:spPr>
-                      <a:xfrm>
-                        <a:off x="10535194" y="2322504"/>
-                        <a:ext cx="1821996" cy="1395873"/>
-                      </a:xfrm>
-                      <a:prstGeom prst="rect">
-                        <a:avLst/>
-                      </a:prstGeom>
-                    </p:spPr>
-                  </p:pic>
-                </p:oleObj>
-              </mc:Fallback>
-            </mc:AlternateContent>
-          </a:graphicData>
-        </a:graphic>
-      </p:graphicFrame>
-      <p:graphicFrame>
-        <p:nvGraphicFramePr>
-          <p:cNvPr id="8" name="对象 7">
-            <a:extLst>
-              <a:ext uri="{FF2B5EF4-FFF2-40B4-BE49-F238E27FC236}">
-                <a16:creationId xmlns:a16="http://schemas.microsoft.com/office/drawing/2014/main" id="{7CF1A10A-C680-2508-2DD6-1FE4F6BB1855}"/>
-              </a:ext>
-            </a:extLst>
-          </p:cNvPr>
-          <p:cNvGraphicFramePr>
-            <a:graphicFrameLocks noChangeAspect="1"/>
-          </p:cNvGraphicFramePr>
-          <p:nvPr>
-            <p:extLst>
-              <p:ext uri="{D42A27DB-BD31-4B8C-83A1-F6EECF244321}">
-                <p14:modId xmlns:p14="http://schemas.microsoft.com/office/powerpoint/2010/main" val="2444340736"/>
-              </p:ext>
-            </p:extLst>
-          </p:nvPr>
-        </p:nvGraphicFramePr>
-        <p:xfrm>
-          <a:off x="10643658" y="3646882"/>
-          <a:ext cx="1630937" cy="1249498"/>
-        </p:xfrm>
-        <a:graphic>
-          <a:graphicData uri="http://schemas.openxmlformats.org/presentationml/2006/ole">
-            <mc:AlternateContent xmlns:mc="http://schemas.openxmlformats.org/markup-compatibility/2006">
-              <mc:Choice xmlns:v="urn:schemas-microsoft-com:vml" Requires="v">
-                <p:oleObj name="Graph" r:id="rId6" imgW="9802184" imgH="7502368" progId="Origin95.Graph">
-                  <p:embed/>
-                </p:oleObj>
-              </mc:Choice>
-              <mc:Fallback>
-                <p:oleObj name="Graph" r:id="rId6" imgW="9802184" imgH="7502368" progId="Origin95.Graph">
-                  <p:embed/>
-                  <p:pic>
-                    <p:nvPicPr>
-                      <p:cNvPr id="0" name=""/>
-                      <p:cNvPicPr/>
-                      <p:nvPr/>
-                    </p:nvPicPr>
-                    <p:blipFill>
-                      <a:blip r:embed="rId7"/>
-                      <a:stretch>
-                        <a:fillRect/>
-                      </a:stretch>
-                    </p:blipFill>
-                    <p:spPr>
-                      <a:xfrm>
-                        <a:off x="10643658" y="3646882"/>
-                        <a:ext cx="1630937" cy="1249498"/>
-                      </a:xfrm>
-                      <a:prstGeom prst="rect">
-                        <a:avLst/>
-                      </a:prstGeom>
-                    </p:spPr>
-                  </p:pic>
-                </p:oleObj>
-              </mc:Fallback>
-            </mc:AlternateContent>
-          </a:graphicData>
-        </a:graphic>
-      </p:graphicFrame>
     </p:spTree>
     <p:extLst>
       <p:ext uri="{BB962C8B-B14F-4D97-AF65-F5344CB8AC3E}">
-        <p14:creationId xmlns:p14="http://schemas.microsoft.com/office/powerpoint/2010/main" val="1724168734"/>
+        <p14:creationId xmlns:p14="http://schemas.microsoft.com/office/powerpoint/2010/main" val="3355589509"/>
       </p:ext>
     </p:extLst>
   </p:cSld>

--- a/FAPbI3合成汇总.pptx
+++ b/FAPbI3合成汇总.pptx
@@ -248,7 +248,7 @@
           <a:p>
             <a:fld id="{27347B32-6A7D-4B63-8B88-3F04635095CD}" type="datetimeFigureOut">
               <a:rPr lang="zh-CN" altLang="en-US" smtClean="0"/>
-              <a:t>2024/9/27</a:t>
+              <a:t>2024/9/28</a:t>
             </a:fld>
             <a:endParaRPr lang="zh-CN" altLang="en-US"/>
           </a:p>
@@ -411,7 +411,7 @@
           <a:p>
             <a:fld id="{27347B32-6A7D-4B63-8B88-3F04635095CD}" type="datetimeFigureOut">
               <a:rPr lang="zh-CN" altLang="en-US" smtClean="0"/>
-              <a:t>2024/9/27</a:t>
+              <a:t>2024/9/28</a:t>
             </a:fld>
             <a:endParaRPr lang="zh-CN" altLang="en-US"/>
           </a:p>
@@ -584,7 +584,7 @@
           <a:p>
             <a:fld id="{27347B32-6A7D-4B63-8B88-3F04635095CD}" type="datetimeFigureOut">
               <a:rPr lang="zh-CN" altLang="en-US" smtClean="0"/>
-              <a:t>2024/9/27</a:t>
+              <a:t>2024/9/28</a:t>
             </a:fld>
             <a:endParaRPr lang="zh-CN" altLang="en-US"/>
           </a:p>
@@ -747,7 +747,7 @@
           <a:p>
             <a:fld id="{27347B32-6A7D-4B63-8B88-3F04635095CD}" type="datetimeFigureOut">
               <a:rPr lang="zh-CN" altLang="en-US" smtClean="0"/>
-              <a:t>2024/9/27</a:t>
+              <a:t>2024/9/28</a:t>
             </a:fld>
             <a:endParaRPr lang="zh-CN" altLang="en-US"/>
           </a:p>
@@ -987,7 +987,7 @@
           <a:p>
             <a:fld id="{27347B32-6A7D-4B63-8B88-3F04635095CD}" type="datetimeFigureOut">
               <a:rPr lang="zh-CN" altLang="en-US" smtClean="0"/>
-              <a:t>2024/9/27</a:t>
+              <a:t>2024/9/28</a:t>
             </a:fld>
             <a:endParaRPr lang="zh-CN" altLang="en-US"/>
           </a:p>
@@ -1211,7 +1211,7 @@
           <a:p>
             <a:fld id="{27347B32-6A7D-4B63-8B88-3F04635095CD}" type="datetimeFigureOut">
               <a:rPr lang="zh-CN" altLang="en-US" smtClean="0"/>
-              <a:t>2024/9/27</a:t>
+              <a:t>2024/9/28</a:t>
             </a:fld>
             <a:endParaRPr lang="zh-CN" altLang="en-US"/>
           </a:p>
@@ -1570,7 +1570,7 @@
           <a:p>
             <a:fld id="{27347B32-6A7D-4B63-8B88-3F04635095CD}" type="datetimeFigureOut">
               <a:rPr lang="zh-CN" altLang="en-US" smtClean="0"/>
-              <a:t>2024/9/27</a:t>
+              <a:t>2024/9/28</a:t>
             </a:fld>
             <a:endParaRPr lang="zh-CN" altLang="en-US"/>
           </a:p>
@@ -1682,7 +1682,7 @@
           <a:p>
             <a:fld id="{27347B32-6A7D-4B63-8B88-3F04635095CD}" type="datetimeFigureOut">
               <a:rPr lang="zh-CN" altLang="en-US" smtClean="0"/>
-              <a:t>2024/9/27</a:t>
+              <a:t>2024/9/28</a:t>
             </a:fld>
             <a:endParaRPr lang="zh-CN" altLang="en-US"/>
           </a:p>
@@ -1772,7 +1772,7 @@
           <a:p>
             <a:fld id="{27347B32-6A7D-4B63-8B88-3F04635095CD}" type="datetimeFigureOut">
               <a:rPr lang="zh-CN" altLang="en-US" smtClean="0"/>
-              <a:t>2024/9/27</a:t>
+              <a:t>2024/9/28</a:t>
             </a:fld>
             <a:endParaRPr lang="zh-CN" altLang="en-US"/>
           </a:p>
@@ -2042,7 +2042,7 @@
           <a:p>
             <a:fld id="{27347B32-6A7D-4B63-8B88-3F04635095CD}" type="datetimeFigureOut">
               <a:rPr lang="zh-CN" altLang="en-US" smtClean="0"/>
-              <a:t>2024/9/27</a:t>
+              <a:t>2024/9/28</a:t>
             </a:fld>
             <a:endParaRPr lang="zh-CN" altLang="en-US"/>
           </a:p>
@@ -2289,7 +2289,7 @@
           <a:p>
             <a:fld id="{27347B32-6A7D-4B63-8B88-3F04635095CD}" type="datetimeFigureOut">
               <a:rPr lang="zh-CN" altLang="en-US" smtClean="0"/>
-              <a:t>2024/9/27</a:t>
+              <a:t>2024/9/28</a:t>
             </a:fld>
             <a:endParaRPr lang="zh-CN" altLang="en-US"/>
           </a:p>
@@ -2495,7 +2495,7 @@
           <a:p>
             <a:fld id="{27347B32-6A7D-4B63-8B88-3F04635095CD}" type="datetimeFigureOut">
               <a:rPr lang="zh-CN" altLang="en-US" smtClean="0"/>
-              <a:t>2024/9/27</a:t>
+              <a:t>2024/9/28</a:t>
             </a:fld>
             <a:endParaRPr lang="zh-CN" altLang="en-US"/>
           </a:p>
@@ -2910,7 +2910,7 @@
           <p:nvPr>
             <p:extLst>
               <p:ext uri="{D42A27DB-BD31-4B8C-83A1-F6EECF244321}">
-                <p14:modId xmlns:p14="http://schemas.microsoft.com/office/powerpoint/2010/main" val="2718398234"/>
+                <p14:modId xmlns:p14="http://schemas.microsoft.com/office/powerpoint/2010/main" val="2146322330"/>
               </p:ext>
             </p:extLst>
           </p:nvPr>
@@ -4703,7 +4703,7 @@
                           <a:ea typeface="+mn-ea"/>
                           <a:cs typeface="Times New Roman" panose="02020603050405020304" pitchFamily="18" charset="0"/>
                         </a:rPr>
-                        <a:t>240920010 </a:t>
+                        <a:t>240921010 </a:t>
                       </a:r>
                       <a:r>
                         <a:rPr lang="en-US" sz="1600" kern="100" dirty="0">
@@ -5179,7 +5179,7 @@
                           <a:ea typeface="+mn-ea"/>
                           <a:cs typeface="Times New Roman" panose="02020603050405020304" pitchFamily="18" charset="0"/>
                         </a:rPr>
-                        <a:t>240920020 </a:t>
+                        <a:t>240921020 </a:t>
                       </a:r>
                       <a:r>
                         <a:rPr lang="en-US" sz="1600" kern="100" dirty="0">
@@ -14818,6 +14818,41 @@
           </a:graphicData>
         </a:graphic>
       </p:graphicFrame>
+      <p:pic>
+        <p:nvPicPr>
+          <p:cNvPr id="4" name="图片 3">
+            <a:extLst>
+              <a:ext uri="{FF2B5EF4-FFF2-40B4-BE49-F238E27FC236}">
+                <a16:creationId xmlns:a16="http://schemas.microsoft.com/office/drawing/2014/main" id="{80F5D6A6-9307-2BA4-9721-5CE3752832D5}"/>
+              </a:ext>
+            </a:extLst>
+          </p:cNvPr>
+          <p:cNvPicPr>
+            <a:picLocks noChangeAspect="1"/>
+          </p:cNvPicPr>
+          <p:nvPr/>
+        </p:nvPicPr>
+        <p:blipFill>
+          <a:blip r:embed="rId2" cstate="print">
+            <a:extLst>
+              <a:ext uri="{28A0092B-C50C-407E-A947-70E740481C1C}">
+                <a14:useLocalDpi xmlns:a14="http://schemas.microsoft.com/office/drawing/2010/main" val="0"/>
+              </a:ext>
+            </a:extLst>
+          </a:blip>
+          <a:srcRect l="32405" t="6857" r="46166" b="37714"/>
+          <a:stretch/>
+        </p:blipFill>
+        <p:spPr>
+          <a:xfrm>
+            <a:off x="9903127" y="999309"/>
+            <a:ext cx="494907" cy="960120"/>
+          </a:xfrm>
+          <a:prstGeom prst="rect">
+            <a:avLst/>
+          </a:prstGeom>
+        </p:spPr>
+      </p:pic>
     </p:spTree>
     <p:extLst>
       <p:ext uri="{BB962C8B-B14F-4D97-AF65-F5344CB8AC3E}">

--- a/FAPbI3合成汇总.pptx
+++ b/FAPbI3合成汇总.pptx
@@ -248,7 +248,7 @@
           <a:p>
             <a:fld id="{27347B32-6A7D-4B63-8B88-3F04635095CD}" type="datetimeFigureOut">
               <a:rPr lang="zh-CN" altLang="en-US" smtClean="0"/>
-              <a:t>2024/9/28</a:t>
+              <a:t>2024/9/29</a:t>
             </a:fld>
             <a:endParaRPr lang="zh-CN" altLang="en-US"/>
           </a:p>
@@ -411,7 +411,7 @@
           <a:p>
             <a:fld id="{27347B32-6A7D-4B63-8B88-3F04635095CD}" type="datetimeFigureOut">
               <a:rPr lang="zh-CN" altLang="en-US" smtClean="0"/>
-              <a:t>2024/9/28</a:t>
+              <a:t>2024/9/29</a:t>
             </a:fld>
             <a:endParaRPr lang="zh-CN" altLang="en-US"/>
           </a:p>
@@ -584,7 +584,7 @@
           <a:p>
             <a:fld id="{27347B32-6A7D-4B63-8B88-3F04635095CD}" type="datetimeFigureOut">
               <a:rPr lang="zh-CN" altLang="en-US" smtClean="0"/>
-              <a:t>2024/9/28</a:t>
+              <a:t>2024/9/29</a:t>
             </a:fld>
             <a:endParaRPr lang="zh-CN" altLang="en-US"/>
           </a:p>
@@ -747,7 +747,7 @@
           <a:p>
             <a:fld id="{27347B32-6A7D-4B63-8B88-3F04635095CD}" type="datetimeFigureOut">
               <a:rPr lang="zh-CN" altLang="en-US" smtClean="0"/>
-              <a:t>2024/9/28</a:t>
+              <a:t>2024/9/29</a:t>
             </a:fld>
             <a:endParaRPr lang="zh-CN" altLang="en-US"/>
           </a:p>
@@ -987,7 +987,7 @@
           <a:p>
             <a:fld id="{27347B32-6A7D-4B63-8B88-3F04635095CD}" type="datetimeFigureOut">
               <a:rPr lang="zh-CN" altLang="en-US" smtClean="0"/>
-              <a:t>2024/9/28</a:t>
+              <a:t>2024/9/29</a:t>
             </a:fld>
             <a:endParaRPr lang="zh-CN" altLang="en-US"/>
           </a:p>
@@ -1211,7 +1211,7 @@
           <a:p>
             <a:fld id="{27347B32-6A7D-4B63-8B88-3F04635095CD}" type="datetimeFigureOut">
               <a:rPr lang="zh-CN" altLang="en-US" smtClean="0"/>
-              <a:t>2024/9/28</a:t>
+              <a:t>2024/9/29</a:t>
             </a:fld>
             <a:endParaRPr lang="zh-CN" altLang="en-US"/>
           </a:p>
@@ -1570,7 +1570,7 @@
           <a:p>
             <a:fld id="{27347B32-6A7D-4B63-8B88-3F04635095CD}" type="datetimeFigureOut">
               <a:rPr lang="zh-CN" altLang="en-US" smtClean="0"/>
-              <a:t>2024/9/28</a:t>
+              <a:t>2024/9/29</a:t>
             </a:fld>
             <a:endParaRPr lang="zh-CN" altLang="en-US"/>
           </a:p>
@@ -1682,7 +1682,7 @@
           <a:p>
             <a:fld id="{27347B32-6A7D-4B63-8B88-3F04635095CD}" type="datetimeFigureOut">
               <a:rPr lang="zh-CN" altLang="en-US" smtClean="0"/>
-              <a:t>2024/9/28</a:t>
+              <a:t>2024/9/29</a:t>
             </a:fld>
             <a:endParaRPr lang="zh-CN" altLang="en-US"/>
           </a:p>
@@ -1772,7 +1772,7 @@
           <a:p>
             <a:fld id="{27347B32-6A7D-4B63-8B88-3F04635095CD}" type="datetimeFigureOut">
               <a:rPr lang="zh-CN" altLang="en-US" smtClean="0"/>
-              <a:t>2024/9/28</a:t>
+              <a:t>2024/9/29</a:t>
             </a:fld>
             <a:endParaRPr lang="zh-CN" altLang="en-US"/>
           </a:p>
@@ -2042,7 +2042,7 @@
           <a:p>
             <a:fld id="{27347B32-6A7D-4B63-8B88-3F04635095CD}" type="datetimeFigureOut">
               <a:rPr lang="zh-CN" altLang="en-US" smtClean="0"/>
-              <a:t>2024/9/28</a:t>
+              <a:t>2024/9/29</a:t>
             </a:fld>
             <a:endParaRPr lang="zh-CN" altLang="en-US"/>
           </a:p>
@@ -2289,7 +2289,7 @@
           <a:p>
             <a:fld id="{27347B32-6A7D-4B63-8B88-3F04635095CD}" type="datetimeFigureOut">
               <a:rPr lang="zh-CN" altLang="en-US" smtClean="0"/>
-              <a:t>2024/9/28</a:t>
+              <a:t>2024/9/29</a:t>
             </a:fld>
             <a:endParaRPr lang="zh-CN" altLang="en-US"/>
           </a:p>
@@ -2495,7 +2495,7 @@
           <a:p>
             <a:fld id="{27347B32-6A7D-4B63-8B88-3F04635095CD}" type="datetimeFigureOut">
               <a:rPr lang="zh-CN" altLang="en-US" smtClean="0"/>
-              <a:t>2024/9/28</a:t>
+              <a:t>2024/9/29</a:t>
             </a:fld>
             <a:endParaRPr lang="zh-CN" altLang="en-US"/>
           </a:p>
@@ -14845,8 +14845,106 @@
         </p:blipFill>
         <p:spPr>
           <a:xfrm>
-            <a:off x="9903127" y="999309"/>
+            <a:off x="9485115" y="999309"/>
             <a:ext cx="494907" cy="960120"/>
+          </a:xfrm>
+          <a:prstGeom prst="rect">
+            <a:avLst/>
+          </a:prstGeom>
+        </p:spPr>
+      </p:pic>
+      <p:graphicFrame>
+        <p:nvGraphicFramePr>
+          <p:cNvPr id="2" name="对象 1">
+            <a:extLst>
+              <a:ext uri="{FF2B5EF4-FFF2-40B4-BE49-F238E27FC236}">
+                <a16:creationId xmlns:a16="http://schemas.microsoft.com/office/drawing/2014/main" id="{4456F36B-60C4-A25F-9E96-6B0041DC4EDD}"/>
+              </a:ext>
+            </a:extLst>
+          </p:cNvPr>
+          <p:cNvGraphicFramePr>
+            <a:graphicFrameLocks noChangeAspect="1"/>
+          </p:cNvGraphicFramePr>
+          <p:nvPr>
+            <p:extLst>
+              <p:ext uri="{D42A27DB-BD31-4B8C-83A1-F6EECF244321}">
+                <p14:modId xmlns:p14="http://schemas.microsoft.com/office/powerpoint/2010/main" val="630264457"/>
+              </p:ext>
+            </p:extLst>
+          </p:nvPr>
+        </p:nvGraphicFramePr>
+        <p:xfrm>
+          <a:off x="10494870" y="999309"/>
+          <a:ext cx="1925213" cy="1474950"/>
+        </p:xfrm>
+        <a:graphic>
+          <a:graphicData uri="http://schemas.openxmlformats.org/presentationml/2006/ole">
+            <mc:AlternateContent xmlns:mc="http://schemas.openxmlformats.org/markup-compatibility/2006">
+              <mc:Choice xmlns:v="urn:schemas-microsoft-com:vml" Requires="v">
+                <p:oleObj name="Graph" r:id="rId3" imgW="9802184" imgH="7502368" progId="Origin95.Graph">
+                  <p:embed/>
+                </p:oleObj>
+              </mc:Choice>
+              <mc:Fallback>
+                <p:oleObj name="Graph" r:id="rId3" imgW="9802184" imgH="7502368" progId="Origin95.Graph">
+                  <p:embed/>
+                  <p:pic>
+                    <p:nvPicPr>
+                      <p:cNvPr id="0" name=""/>
+                      <p:cNvPicPr/>
+                      <p:nvPr/>
+                    </p:nvPicPr>
+                    <p:blipFill>
+                      <a:blip r:embed="rId4"/>
+                      <a:stretch>
+                        <a:fillRect/>
+                      </a:stretch>
+                    </p:blipFill>
+                    <p:spPr>
+                      <a:xfrm>
+                        <a:off x="10494870" y="999309"/>
+                        <a:ext cx="1925213" cy="1474950"/>
+                      </a:xfrm>
+                      <a:prstGeom prst="rect">
+                        <a:avLst/>
+                      </a:prstGeom>
+                    </p:spPr>
+                  </p:pic>
+                </p:oleObj>
+              </mc:Fallback>
+            </mc:AlternateContent>
+          </a:graphicData>
+        </a:graphic>
+      </p:graphicFrame>
+      <p:pic>
+        <p:nvPicPr>
+          <p:cNvPr id="6" name="图片 5">
+            <a:extLst>
+              <a:ext uri="{FF2B5EF4-FFF2-40B4-BE49-F238E27FC236}">
+                <a16:creationId xmlns:a16="http://schemas.microsoft.com/office/drawing/2014/main" id="{7811DCBB-E234-601A-4EBA-8D2F94AB3129}"/>
+              </a:ext>
+            </a:extLst>
+          </p:cNvPr>
+          <p:cNvPicPr>
+            <a:picLocks noChangeAspect="1"/>
+          </p:cNvPicPr>
+          <p:nvPr/>
+        </p:nvPicPr>
+        <p:blipFill>
+          <a:blip r:embed="rId5" cstate="print">
+            <a:extLst>
+              <a:ext uri="{28A0092B-C50C-407E-A947-70E740481C1C}">
+                <a14:useLocalDpi xmlns:a14="http://schemas.microsoft.com/office/drawing/2010/main" val="0"/>
+              </a:ext>
+            </a:extLst>
+          </a:blip>
+          <a:srcRect l="26833" t="8381" r="46738" b="35238"/>
+          <a:stretch/>
+        </p:blipFill>
+        <p:spPr>
+          <a:xfrm>
+            <a:off x="9980023" y="999307"/>
+            <a:ext cx="600076" cy="960121"/>
           </a:xfrm>
           <a:prstGeom prst="rect">
             <a:avLst/>
